--- a/layout_plan.pptx
+++ b/layout_plan.pptx
@@ -199,7 +199,7 @@
           <a:p>
             <a:fld id="{4FA3BA41-CE2E-5A40-BD2C-C446BF650F90}" type="datetimeFigureOut">
               <a:rPr lang="en-GB" smtClean="0"/>
-              <a:t>17/04/2023</a:t>
+              <a:t>17/05/2023</a:t>
             </a:fld>
             <a:endParaRPr lang="en-GB"/>
           </a:p>
@@ -687,7 +687,7 @@
           <a:p>
             <a:fld id="{84418B3D-8A6D-EF40-85ED-A8D511C47BA4}" type="datetimeFigureOut">
               <a:rPr lang="en-GB" smtClean="0"/>
-              <a:t>17/04/2023</a:t>
+              <a:t>17/05/2023</a:t>
             </a:fld>
             <a:endParaRPr lang="en-GB"/>
           </a:p>
@@ -857,7 +857,7 @@
           <a:p>
             <a:fld id="{84418B3D-8A6D-EF40-85ED-A8D511C47BA4}" type="datetimeFigureOut">
               <a:rPr lang="en-GB" smtClean="0"/>
-              <a:t>17/04/2023</a:t>
+              <a:t>17/05/2023</a:t>
             </a:fld>
             <a:endParaRPr lang="en-GB"/>
           </a:p>
@@ -1037,7 +1037,7 @@
           <a:p>
             <a:fld id="{84418B3D-8A6D-EF40-85ED-A8D511C47BA4}" type="datetimeFigureOut">
               <a:rPr lang="en-GB" smtClean="0"/>
-              <a:t>17/04/2023</a:t>
+              <a:t>17/05/2023</a:t>
             </a:fld>
             <a:endParaRPr lang="en-GB"/>
           </a:p>
@@ -1207,7 +1207,7 @@
           <a:p>
             <a:fld id="{84418B3D-8A6D-EF40-85ED-A8D511C47BA4}" type="datetimeFigureOut">
               <a:rPr lang="en-GB" smtClean="0"/>
-              <a:t>17/04/2023</a:t>
+              <a:t>17/05/2023</a:t>
             </a:fld>
             <a:endParaRPr lang="en-GB"/>
           </a:p>
@@ -1451,7 +1451,7 @@
           <a:p>
             <a:fld id="{84418B3D-8A6D-EF40-85ED-A8D511C47BA4}" type="datetimeFigureOut">
               <a:rPr lang="en-GB" smtClean="0"/>
-              <a:t>17/04/2023</a:t>
+              <a:t>17/05/2023</a:t>
             </a:fld>
             <a:endParaRPr lang="en-GB"/>
           </a:p>
@@ -1683,7 +1683,7 @@
           <a:p>
             <a:fld id="{84418B3D-8A6D-EF40-85ED-A8D511C47BA4}" type="datetimeFigureOut">
               <a:rPr lang="en-GB" smtClean="0"/>
-              <a:t>17/04/2023</a:t>
+              <a:t>17/05/2023</a:t>
             </a:fld>
             <a:endParaRPr lang="en-GB"/>
           </a:p>
@@ -2050,7 +2050,7 @@
           <a:p>
             <a:fld id="{84418B3D-8A6D-EF40-85ED-A8D511C47BA4}" type="datetimeFigureOut">
               <a:rPr lang="en-GB" smtClean="0"/>
-              <a:t>17/04/2023</a:t>
+              <a:t>17/05/2023</a:t>
             </a:fld>
             <a:endParaRPr lang="en-GB"/>
           </a:p>
@@ -2168,7 +2168,7 @@
           <a:p>
             <a:fld id="{84418B3D-8A6D-EF40-85ED-A8D511C47BA4}" type="datetimeFigureOut">
               <a:rPr lang="en-GB" smtClean="0"/>
-              <a:t>17/04/2023</a:t>
+              <a:t>17/05/2023</a:t>
             </a:fld>
             <a:endParaRPr lang="en-GB"/>
           </a:p>
@@ -2263,7 +2263,7 @@
           <a:p>
             <a:fld id="{84418B3D-8A6D-EF40-85ED-A8D511C47BA4}" type="datetimeFigureOut">
               <a:rPr lang="en-GB" smtClean="0"/>
-              <a:t>17/04/2023</a:t>
+              <a:t>17/05/2023</a:t>
             </a:fld>
             <a:endParaRPr lang="en-GB"/>
           </a:p>
@@ -2540,7 +2540,7 @@
           <a:p>
             <a:fld id="{84418B3D-8A6D-EF40-85ED-A8D511C47BA4}" type="datetimeFigureOut">
               <a:rPr lang="en-GB" smtClean="0"/>
-              <a:t>17/04/2023</a:t>
+              <a:t>17/05/2023</a:t>
             </a:fld>
             <a:endParaRPr lang="en-GB"/>
           </a:p>
@@ -2797,7 +2797,7 @@
           <a:p>
             <a:fld id="{84418B3D-8A6D-EF40-85ED-A8D511C47BA4}" type="datetimeFigureOut">
               <a:rPr lang="en-GB" smtClean="0"/>
-              <a:t>17/04/2023</a:t>
+              <a:t>17/05/2023</a:t>
             </a:fld>
             <a:endParaRPr lang="en-GB"/>
           </a:p>
@@ -3010,7 +3010,7 @@
           <a:p>
             <a:fld id="{84418B3D-8A6D-EF40-85ED-A8D511C47BA4}" type="datetimeFigureOut">
               <a:rPr lang="en-GB" smtClean="0"/>
-              <a:t>17/04/2023</a:t>
+              <a:t>17/05/2023</a:t>
             </a:fld>
             <a:endParaRPr lang="en-GB"/>
           </a:p>
@@ -5734,7 +5734,7 @@
         </p:nvSpPr>
         <p:spPr>
           <a:xfrm rot="2387574">
-            <a:off x="2135773" y="4343876"/>
+            <a:off x="2135773" y="3725311"/>
             <a:ext cx="1560184" cy="963868"/>
           </a:xfrm>
           <a:prstGeom prst="roundRect">
@@ -5792,7 +5792,7 @@
         </p:nvSpPr>
         <p:spPr>
           <a:xfrm rot="2387574">
-            <a:off x="3147107" y="4193124"/>
+            <a:off x="3147107" y="3574559"/>
             <a:ext cx="543824" cy="332610"/>
           </a:xfrm>
           <a:prstGeom prst="roundRect">
@@ -5850,7 +5850,7 @@
         </p:nvSpPr>
         <p:spPr>
           <a:xfrm rot="2387574">
-            <a:off x="2109413" y="5093815"/>
+            <a:off x="2109413" y="4475250"/>
             <a:ext cx="543824" cy="332610"/>
           </a:xfrm>
           <a:prstGeom prst="roundRect">
@@ -5908,7 +5908,7 @@
         </p:nvGrpSpPr>
         <p:grpSpPr>
           <a:xfrm>
-            <a:off x="3714743" y="4136454"/>
+            <a:off x="3714743" y="3517889"/>
             <a:ext cx="1334106" cy="1363000"/>
             <a:chOff x="3714743" y="4136454"/>
             <a:chExt cx="1334106" cy="1363000"/>
@@ -6101,7 +6101,7 @@
         </p:nvGrpSpPr>
         <p:grpSpPr>
           <a:xfrm>
-            <a:off x="5112341" y="4136457"/>
+            <a:off x="5112341" y="3517892"/>
             <a:ext cx="1334106" cy="1408385"/>
             <a:chOff x="4902750" y="6631029"/>
             <a:chExt cx="1334106" cy="1408385"/>
@@ -6409,201 +6409,180 @@
           </p:txBody>
         </p:sp>
       </p:grpSp>
-      <p:grpSp>
-        <p:nvGrpSpPr>
-          <p:cNvPr id="4" name="Group 3">
+      <p:sp>
+        <p:nvSpPr>
+          <p:cNvPr id="53" name="Rounded Rectangle 52">
             <a:extLst>
               <a:ext uri="{FF2B5EF4-FFF2-40B4-BE49-F238E27FC236}">
-                <a16:creationId xmlns:a16="http://schemas.microsoft.com/office/drawing/2014/main" id="{FB2402E8-9D08-5042-883F-46D4E6F461A8}"/>
+                <a16:creationId xmlns:a16="http://schemas.microsoft.com/office/drawing/2014/main" id="{B3A5B837-850F-1F42-86B9-0606E33C56E5}"/>
               </a:ext>
             </a:extLst>
           </p:cNvPr>
-          <p:cNvGrpSpPr/>
+          <p:cNvSpPr/>
           <p:nvPr/>
-        </p:nvGrpSpPr>
-        <p:grpSpPr>
+        </p:nvSpPr>
+        <p:spPr>
+          <a:xfrm rot="5400000">
+            <a:off x="347826" y="3992109"/>
+            <a:ext cx="1326550" cy="442183"/>
+          </a:xfrm>
+          <a:prstGeom prst="roundRect">
+            <a:avLst>
+              <a:gd name="adj" fmla="val 50000"/>
+            </a:avLst>
+          </a:prstGeom>
+          <a:solidFill>
+            <a:srgbClr val="C00000"/>
+          </a:solidFill>
+          <a:ln w="57150">
+            <a:noFill/>
+          </a:ln>
+        </p:spPr>
+        <p:style>
+          <a:lnRef idx="2">
+            <a:schemeClr val="accent1">
+              <a:shade val="50000"/>
+            </a:schemeClr>
+          </a:lnRef>
+          <a:fillRef idx="1">
+            <a:schemeClr val="accent1"/>
+          </a:fillRef>
+          <a:effectRef idx="0">
+            <a:schemeClr val="accent1"/>
+          </a:effectRef>
+          <a:fontRef idx="minor">
+            <a:schemeClr val="lt1"/>
+          </a:fontRef>
+        </p:style>
+        <p:txBody>
+          <a:bodyPr rtlCol="0" anchor="ctr"/>
+          <a:lstStyle/>
+          <a:p>
+            <a:pPr algn="ctr"/>
+            <a:endParaRPr lang="en-GB">
+              <a:solidFill>
+                <a:srgbClr val="C00000"/>
+              </a:solidFill>
+            </a:endParaRPr>
+          </a:p>
+        </p:txBody>
+      </p:sp>
+      <p:sp>
+        <p:nvSpPr>
+          <p:cNvPr id="54" name="Rounded Rectangle 53">
+            <a:extLst>
+              <a:ext uri="{FF2B5EF4-FFF2-40B4-BE49-F238E27FC236}">
+                <a16:creationId xmlns:a16="http://schemas.microsoft.com/office/drawing/2014/main" id="{88719E45-B858-364B-8D35-749E820509D4}"/>
+              </a:ext>
+            </a:extLst>
+          </p:cNvPr>
+          <p:cNvSpPr/>
+          <p:nvPr/>
+        </p:nvSpPr>
+        <p:spPr>
           <a:xfrm>
-            <a:off x="191769" y="4009440"/>
-            <a:ext cx="1638665" cy="1685942"/>
-            <a:chOff x="192010" y="3328990"/>
-            <a:chExt cx="1334106" cy="1372596"/>
+            <a:off x="347827" y="3992109"/>
+            <a:ext cx="1326550" cy="442183"/>
           </a:xfrm>
-        </p:grpSpPr>
-        <p:sp>
-          <p:nvSpPr>
-            <p:cNvPr id="53" name="Rounded Rectangle 52">
-              <a:extLst>
-                <a:ext uri="{FF2B5EF4-FFF2-40B4-BE49-F238E27FC236}">
-                  <a16:creationId xmlns:a16="http://schemas.microsoft.com/office/drawing/2014/main" id="{B3A5B837-850F-1F42-86B9-0606E33C56E5}"/>
-                </a:ext>
-              </a:extLst>
-            </p:cNvPr>
-            <p:cNvSpPr/>
-            <p:nvPr/>
-          </p:nvSpPr>
-          <p:spPr>
-            <a:xfrm rot="5400000">
-              <a:off x="319063" y="3818480"/>
-              <a:ext cx="1080000" cy="360000"/>
-            </a:xfrm>
-            <a:prstGeom prst="roundRect">
-              <a:avLst>
-                <a:gd name="adj" fmla="val 50000"/>
-              </a:avLst>
-            </a:prstGeom>
+          <a:prstGeom prst="roundRect">
+            <a:avLst>
+              <a:gd name="adj" fmla="val 50000"/>
+            </a:avLst>
+          </a:prstGeom>
+          <a:solidFill>
+            <a:srgbClr val="C00000"/>
+          </a:solidFill>
+          <a:ln w="57150">
+            <a:noFill/>
+          </a:ln>
+        </p:spPr>
+        <p:style>
+          <a:lnRef idx="2">
+            <a:schemeClr val="accent1">
+              <a:shade val="50000"/>
+            </a:schemeClr>
+          </a:lnRef>
+          <a:fillRef idx="1">
+            <a:schemeClr val="accent1"/>
+          </a:fillRef>
+          <a:effectRef idx="0">
+            <a:schemeClr val="accent1"/>
+          </a:effectRef>
+          <a:fontRef idx="minor">
+            <a:schemeClr val="lt1"/>
+          </a:fontRef>
+        </p:style>
+        <p:txBody>
+          <a:bodyPr rtlCol="0" anchor="ctr"/>
+          <a:lstStyle/>
+          <a:p>
+            <a:pPr algn="ctr"/>
+            <a:endParaRPr lang="en-GB" dirty="0">
+              <a:solidFill>
+                <a:srgbClr val="C00000"/>
+              </a:solidFill>
+            </a:endParaRPr>
+          </a:p>
+        </p:txBody>
+      </p:sp>
+      <p:sp>
+        <p:nvSpPr>
+          <p:cNvPr id="55" name="Rounded Rectangle 54">
+            <a:extLst>
+              <a:ext uri="{FF2B5EF4-FFF2-40B4-BE49-F238E27FC236}">
+                <a16:creationId xmlns:a16="http://schemas.microsoft.com/office/drawing/2014/main" id="{C9BDCB94-9182-9E4E-9AA2-2EC9FD5FA831}"/>
+              </a:ext>
+            </a:extLst>
+          </p:cNvPr>
+          <p:cNvSpPr/>
+          <p:nvPr/>
+        </p:nvSpPr>
+        <p:spPr>
+          <a:xfrm rot="5400000">
+            <a:off x="168131" y="3414514"/>
+            <a:ext cx="1685942" cy="1638665"/>
+          </a:xfrm>
+          <a:prstGeom prst="roundRect">
+            <a:avLst>
+              <a:gd name="adj" fmla="val 22370"/>
+            </a:avLst>
+          </a:prstGeom>
+          <a:noFill/>
+          <a:ln w="57150">
             <a:solidFill>
               <a:srgbClr val="C00000"/>
             </a:solidFill>
-            <a:ln w="57150">
-              <a:noFill/>
-            </a:ln>
-          </p:spPr>
-          <p:style>
-            <a:lnRef idx="2">
-              <a:schemeClr val="accent1">
-                <a:shade val="50000"/>
-              </a:schemeClr>
-            </a:lnRef>
-            <a:fillRef idx="1">
-              <a:schemeClr val="accent1"/>
-            </a:fillRef>
-            <a:effectRef idx="0">
-              <a:schemeClr val="accent1"/>
-            </a:effectRef>
-            <a:fontRef idx="minor">
-              <a:schemeClr val="lt1"/>
-            </a:fontRef>
-          </p:style>
-          <p:txBody>
-            <a:bodyPr rtlCol="0" anchor="ctr"/>
-            <a:lstStyle/>
-            <a:p>
-              <a:pPr algn="ctr"/>
-              <a:endParaRPr lang="en-GB">
-                <a:solidFill>
-                  <a:srgbClr val="C00000"/>
-                </a:solidFill>
-              </a:endParaRPr>
-            </a:p>
-          </p:txBody>
-        </p:sp>
-        <p:sp>
-          <p:nvSpPr>
-            <p:cNvPr id="54" name="Rounded Rectangle 53">
-              <a:extLst>
-                <a:ext uri="{FF2B5EF4-FFF2-40B4-BE49-F238E27FC236}">
-                  <a16:creationId xmlns:a16="http://schemas.microsoft.com/office/drawing/2014/main" id="{88719E45-B858-364B-8D35-749E820509D4}"/>
-                </a:ext>
-              </a:extLst>
-            </p:cNvPr>
-            <p:cNvSpPr/>
-            <p:nvPr/>
-          </p:nvSpPr>
-          <p:spPr>
-            <a:xfrm>
-              <a:off x="319063" y="3818480"/>
-              <a:ext cx="1080000" cy="360000"/>
-            </a:xfrm>
-            <a:prstGeom prst="roundRect">
-              <a:avLst>
-                <a:gd name="adj" fmla="val 50000"/>
-              </a:avLst>
-            </a:prstGeom>
-            <a:solidFill>
-              <a:srgbClr val="C00000"/>
-            </a:solidFill>
-            <a:ln w="57150">
-              <a:noFill/>
-            </a:ln>
-          </p:spPr>
-          <p:style>
-            <a:lnRef idx="2">
-              <a:schemeClr val="accent1">
-                <a:shade val="50000"/>
-              </a:schemeClr>
-            </a:lnRef>
-            <a:fillRef idx="1">
-              <a:schemeClr val="accent1"/>
-            </a:fillRef>
-            <a:effectRef idx="0">
-              <a:schemeClr val="accent1"/>
-            </a:effectRef>
-            <a:fontRef idx="minor">
-              <a:schemeClr val="lt1"/>
-            </a:fontRef>
-          </p:style>
-          <p:txBody>
-            <a:bodyPr rtlCol="0" anchor="ctr"/>
-            <a:lstStyle/>
-            <a:p>
-              <a:pPr algn="ctr"/>
-              <a:endParaRPr lang="en-GB" dirty="0">
-                <a:solidFill>
-                  <a:srgbClr val="C00000"/>
-                </a:solidFill>
-              </a:endParaRPr>
-            </a:p>
-          </p:txBody>
-        </p:sp>
-        <p:sp>
-          <p:nvSpPr>
-            <p:cNvPr id="55" name="Rounded Rectangle 54">
-              <a:extLst>
-                <a:ext uri="{FF2B5EF4-FFF2-40B4-BE49-F238E27FC236}">
-                  <a16:creationId xmlns:a16="http://schemas.microsoft.com/office/drawing/2014/main" id="{C9BDCB94-9182-9E4E-9AA2-2EC9FD5FA831}"/>
-                </a:ext>
-              </a:extLst>
-            </p:cNvPr>
-            <p:cNvSpPr/>
-            <p:nvPr/>
-          </p:nvSpPr>
-          <p:spPr>
-            <a:xfrm rot="5400000">
-              <a:off x="172765" y="3348235"/>
-              <a:ext cx="1372596" cy="1334106"/>
-            </a:xfrm>
-            <a:prstGeom prst="roundRect">
-              <a:avLst>
-                <a:gd name="adj" fmla="val 50000"/>
-              </a:avLst>
-            </a:prstGeom>
-            <a:noFill/>
-            <a:ln w="57150">
+          </a:ln>
+        </p:spPr>
+        <p:style>
+          <a:lnRef idx="2">
+            <a:schemeClr val="accent1">
+              <a:shade val="50000"/>
+            </a:schemeClr>
+          </a:lnRef>
+          <a:fillRef idx="1">
+            <a:schemeClr val="accent1"/>
+          </a:fillRef>
+          <a:effectRef idx="0">
+            <a:schemeClr val="accent1"/>
+          </a:effectRef>
+          <a:fontRef idx="minor">
+            <a:schemeClr val="lt1"/>
+          </a:fontRef>
+        </p:style>
+        <p:txBody>
+          <a:bodyPr rtlCol="0" anchor="ctr"/>
+          <a:lstStyle/>
+          <a:p>
+            <a:pPr algn="ctr"/>
+            <a:endParaRPr lang="en-GB">
               <a:solidFill>
                 <a:srgbClr val="C00000"/>
               </a:solidFill>
-            </a:ln>
-          </p:spPr>
-          <p:style>
-            <a:lnRef idx="2">
-              <a:schemeClr val="accent1">
-                <a:shade val="50000"/>
-              </a:schemeClr>
-            </a:lnRef>
-            <a:fillRef idx="1">
-              <a:schemeClr val="accent1"/>
-            </a:fillRef>
-            <a:effectRef idx="0">
-              <a:schemeClr val="accent1"/>
-            </a:effectRef>
-            <a:fontRef idx="minor">
-              <a:schemeClr val="lt1"/>
-            </a:fontRef>
-          </p:style>
-          <p:txBody>
-            <a:bodyPr rtlCol="0" anchor="ctr"/>
-            <a:lstStyle/>
-            <a:p>
-              <a:pPr algn="ctr"/>
-              <a:endParaRPr lang="en-GB">
-                <a:solidFill>
-                  <a:srgbClr val="C00000"/>
-                </a:solidFill>
-              </a:endParaRPr>
-            </a:p>
-          </p:txBody>
-        </p:sp>
-      </p:grpSp>
+            </a:endParaRPr>
+          </a:p>
+        </p:txBody>
+      </p:sp>
       <p:sp>
         <p:nvSpPr>
           <p:cNvPr id="62" name="Rounded Rectangle 61">
@@ -6618,7 +6597,7 @@
         </p:nvSpPr>
         <p:spPr>
           <a:xfrm rot="5400000">
-            <a:off x="3491728" y="2546563"/>
+            <a:off x="3491728" y="1927998"/>
             <a:ext cx="1685941" cy="4611696"/>
           </a:xfrm>
           <a:prstGeom prst="roundRect">
@@ -6676,7 +6655,7 @@
         </p:nvSpPr>
         <p:spPr>
           <a:xfrm>
-            <a:off x="2165310" y="5750768"/>
+            <a:off x="2165310" y="5132203"/>
             <a:ext cx="4334841" cy="769441"/>
           </a:xfrm>
           <a:prstGeom prst="rect">
@@ -7447,7 +7426,7 @@
         </p:nvGrpSpPr>
         <p:grpSpPr>
           <a:xfrm>
-            <a:off x="82288" y="7702052"/>
+            <a:off x="124896" y="6405468"/>
             <a:ext cx="1638665" cy="1685942"/>
             <a:chOff x="192010" y="3328990"/>
             <a:chExt cx="1334106" cy="1372596"/>
@@ -7653,7 +7632,7 @@
         </p:nvSpPr>
         <p:spPr>
           <a:xfrm rot="5400000">
-            <a:off x="3382247" y="6239175"/>
+            <a:off x="3424855" y="4942591"/>
             <a:ext cx="1685941" cy="4611696"/>
           </a:xfrm>
           <a:prstGeom prst="roundRect">
@@ -7719,7 +7698,7 @@
         </p:nvSpPr>
         <p:spPr>
           <a:xfrm rot="2387574">
-            <a:off x="2026292" y="8036488"/>
+            <a:off x="2068900" y="6739904"/>
             <a:ext cx="1560184" cy="963868"/>
           </a:xfrm>
           <a:prstGeom prst="roundRect">
@@ -7777,7 +7756,7 @@
         </p:nvSpPr>
         <p:spPr>
           <a:xfrm rot="2387574">
-            <a:off x="3037626" y="7885736"/>
+            <a:off x="3080234" y="6589152"/>
             <a:ext cx="543824" cy="332610"/>
           </a:xfrm>
           <a:prstGeom prst="roundRect">
@@ -7835,7 +7814,7 @@
         </p:nvSpPr>
         <p:spPr>
           <a:xfrm rot="2387574">
-            <a:off x="1999932" y="8786427"/>
+            <a:off x="2042540" y="7489843"/>
             <a:ext cx="543824" cy="332610"/>
           </a:xfrm>
           <a:prstGeom prst="roundRect">
@@ -7893,7 +7872,7 @@
         </p:nvGrpSpPr>
         <p:grpSpPr>
           <a:xfrm>
-            <a:off x="3605262" y="7829066"/>
+            <a:off x="3647870" y="6532482"/>
             <a:ext cx="1334106" cy="1363000"/>
             <a:chOff x="3605262" y="7829066"/>
             <a:chExt cx="1334106" cy="1363000"/>
@@ -8086,7 +8065,7 @@
         </p:nvGrpSpPr>
         <p:grpSpPr>
           <a:xfrm>
-            <a:off x="5002860" y="7829069"/>
+            <a:off x="5045468" y="6532485"/>
             <a:ext cx="1334106" cy="1408385"/>
             <a:chOff x="4902750" y="6631029"/>
             <a:chExt cx="1334106" cy="1408385"/>
@@ -8407,7 +8386,7 @@
         </p:nvSpPr>
         <p:spPr>
           <a:xfrm>
-            <a:off x="2076653" y="9436172"/>
+            <a:off x="2119261" y="8139588"/>
             <a:ext cx="4334841" cy="769441"/>
           </a:xfrm>
           <a:prstGeom prst="rect">
@@ -8450,7 +8429,7 @@
         </p:nvGrpSpPr>
         <p:grpSpPr>
           <a:xfrm>
-            <a:off x="1009892" y="11582382"/>
+            <a:off x="1080615" y="9411620"/>
             <a:ext cx="4488065" cy="1446550"/>
             <a:chOff x="449730" y="11507343"/>
             <a:chExt cx="4488065" cy="1446550"/>
@@ -8699,7 +8678,7 @@
         </p:nvGrpSpPr>
         <p:grpSpPr>
           <a:xfrm>
-            <a:off x="1028748" y="13287757"/>
+            <a:off x="1099471" y="11116995"/>
             <a:ext cx="4488064" cy="1446550"/>
             <a:chOff x="468587" y="13212717"/>
             <a:chExt cx="4488064" cy="1446550"/>
@@ -8947,7 +8926,7 @@
         </p:nvGrpSpPr>
         <p:grpSpPr>
           <a:xfrm>
-            <a:off x="1028748" y="14974622"/>
+            <a:off x="1099471" y="12803860"/>
             <a:ext cx="4463262" cy="1443600"/>
             <a:chOff x="474192" y="14908559"/>
             <a:chExt cx="4463262" cy="1443600"/>
@@ -9230,7 +9209,7 @@
         </p:nvSpPr>
         <p:spPr>
           <a:xfrm>
-            <a:off x="2654263" y="16519987"/>
+            <a:off x="2724986" y="14349225"/>
             <a:ext cx="2824812" cy="523220"/>
           </a:xfrm>
           <a:prstGeom prst="rect">
@@ -9530,11 +9509,11 @@
             <a:p>
               <a:pPr algn="ctr"/>
               <a:r>
-                <a:rPr lang="en-GB" sz="8800" b="1" dirty="0">
+                <a:rPr lang="en-GB" sz="9600" b="1" spc="-300" dirty="0">
                   <a:solidFill>
                     <a:schemeClr val="bg1"/>
                   </a:solidFill>
-                  <a:latin typeface="Switzer" pitchFamily="2" charset="77"/>
+                  <a:latin typeface="IBM Plex Sans" panose="020B0503050203000203" pitchFamily="34" charset="0"/>
                 </a:rPr>
                 <a:t>SPH</a:t>
               </a:r>
@@ -9557,7 +9536,7 @@
         <p:spPr>
           <a:xfrm>
             <a:off x="2617707" y="19551711"/>
-            <a:ext cx="2824812" cy="523220"/>
+            <a:ext cx="2610010" cy="523220"/>
           </a:xfrm>
           <a:prstGeom prst="rect">
             <a:avLst/>
@@ -9578,7 +9557,7 @@
                     <a:lumOff val="25000"/>
                   </a:schemeClr>
                 </a:solidFill>
-                <a:latin typeface="Switzer" pitchFamily="2" charset="77"/>
+                <a:latin typeface="IBM Plex Sans Condensed Medium" panose="020B0606050203000203" pitchFamily="34" charset="77"/>
               </a:rPr>
               <a:t>SwissPedHealth</a:t>
             </a:r>
@@ -9844,11 +9823,11 @@
             <a:p>
               <a:pPr algn="ctr"/>
               <a:r>
-                <a:rPr lang="en-GB" sz="8800" b="1" dirty="0">
+                <a:rPr lang="en-GB" sz="9600" b="1" spc="-300" dirty="0">
                   <a:solidFill>
                     <a:schemeClr val="bg1"/>
                   </a:solidFill>
-                  <a:latin typeface="Switzer" pitchFamily="2" charset="77"/>
+                  <a:latin typeface="IBM Plex Sans" panose="020B0503050203000203" pitchFamily="34" charset="0"/>
                 </a:rPr>
                 <a:t>SPH</a:t>
               </a:r>
@@ -9871,7 +9850,7 @@
         <p:spPr>
           <a:xfrm>
             <a:off x="2649499" y="21946923"/>
-            <a:ext cx="2824812" cy="523220"/>
+            <a:ext cx="2610010" cy="523220"/>
           </a:xfrm>
           <a:prstGeom prst="rect">
             <a:avLst/>
@@ -9892,9 +9871,85 @@
                     <a:lumOff val="25000"/>
                   </a:schemeClr>
                 </a:solidFill>
+                <a:latin typeface="IBM Plex Sans Condensed Medium" panose="020B0606050203000203" pitchFamily="34" charset="77"/>
+              </a:rPr>
+              <a:t>SwissPedHealth</a:t>
+            </a:r>
+          </a:p>
+        </p:txBody>
+      </p:sp>
+      <p:sp>
+        <p:nvSpPr>
+          <p:cNvPr id="97" name="TextBox 96">
+            <a:extLst>
+              <a:ext uri="{FF2B5EF4-FFF2-40B4-BE49-F238E27FC236}">
+                <a16:creationId xmlns:a16="http://schemas.microsoft.com/office/drawing/2014/main" id="{34637D6E-9B44-BC40-846D-99E936CBA683}"/>
+              </a:ext>
+            </a:extLst>
+          </p:cNvPr>
+          <p:cNvSpPr txBox="1"/>
+          <p:nvPr/>
+        </p:nvSpPr>
+        <p:spPr>
+          <a:xfrm>
+            <a:off x="2065294" y="14766422"/>
+            <a:ext cx="3429000" cy="1862048"/>
+          </a:xfrm>
+          <a:prstGeom prst="rect">
+            <a:avLst/>
+          </a:prstGeom>
+          <a:noFill/>
+        </p:spPr>
+        <p:txBody>
+          <a:bodyPr wrap="square">
+            <a:spAutoFit/>
+          </a:bodyPr>
+          <a:lstStyle/>
+          <a:p>
+            <a:pPr algn="ctr"/>
+            <a:r>
+              <a:rPr lang="en-GB" sz="11500" b="1" spc="-1500" dirty="0">
+                <a:latin typeface="IBM Plex Sans" panose="020B0503050203000203" pitchFamily="34" charset="0"/>
+              </a:rPr>
+              <a:t>SPH</a:t>
+            </a:r>
+          </a:p>
+        </p:txBody>
+      </p:sp>
+      <p:sp>
+        <p:nvSpPr>
+          <p:cNvPr id="98" name="TextBox 97">
+            <a:extLst>
+              <a:ext uri="{FF2B5EF4-FFF2-40B4-BE49-F238E27FC236}">
+                <a16:creationId xmlns:a16="http://schemas.microsoft.com/office/drawing/2014/main" id="{4C080D2B-FDF1-854C-A379-1C6F5D912B11}"/>
+              </a:ext>
+            </a:extLst>
+          </p:cNvPr>
+          <p:cNvSpPr txBox="1"/>
+          <p:nvPr/>
+        </p:nvSpPr>
+        <p:spPr>
+          <a:xfrm>
+            <a:off x="1961977" y="16123710"/>
+            <a:ext cx="3429000" cy="1862048"/>
+          </a:xfrm>
+          <a:prstGeom prst="rect">
+            <a:avLst/>
+          </a:prstGeom>
+          <a:noFill/>
+        </p:spPr>
+        <p:txBody>
+          <a:bodyPr wrap="square">
+            <a:spAutoFit/>
+          </a:bodyPr>
+          <a:lstStyle/>
+          <a:p>
+            <a:pPr algn="ctr"/>
+            <a:r>
+              <a:rPr lang="en-GB" sz="11500" b="1" spc="-1200" dirty="0">
                 <a:latin typeface="Switzer" pitchFamily="2" charset="77"/>
               </a:rPr>
-              <a:t>SwissPedHealth</a:t>
+              <a:t>SPH</a:t>
             </a:r>
           </a:p>
         </p:txBody>
@@ -9929,93 +9984,12 @@
           <a:chExt cx="0" cy="0"/>
         </a:xfrm>
       </p:grpSpPr>
-      <p:pic>
-        <p:nvPicPr>
-          <p:cNvPr id="18" name="Content Placeholder 3">
+      <p:grpSp>
+        <p:nvGrpSpPr>
+          <p:cNvPr id="37" name="Group 36">
             <a:extLst>
               <a:ext uri="{FF2B5EF4-FFF2-40B4-BE49-F238E27FC236}">
-                <a16:creationId xmlns:a16="http://schemas.microsoft.com/office/drawing/2014/main" id="{42DFE3D8-4433-634C-8C0F-E4ABC05DCCE1}"/>
-              </a:ext>
-            </a:extLst>
-          </p:cNvPr>
-          <p:cNvPicPr>
-            <a:picLocks noChangeAspect="1"/>
-          </p:cNvPicPr>
-          <p:nvPr/>
-        </p:nvPicPr>
-        <p:blipFill rotWithShape="1">
-          <a:blip r:embed="rId2">
-            <a:extLst>
-              <a:ext uri="{BEBA8EAE-BF5A-486C-A8C5-ECC9F3942E4B}">
-                <a14:imgProps xmlns:a14="http://schemas.microsoft.com/office/drawing/2010/main">
-                  <a14:imgLayer r:embed="rId3">
-                    <a14:imgEffect>
-                      <a14:brightnessContrast bright="-26000"/>
-                    </a14:imgEffect>
-                  </a14:imgLayer>
-                </a14:imgProps>
-              </a:ext>
-            </a:extLst>
-          </a:blip>
-          <a:srcRect/>
-          <a:stretch/>
-        </p:blipFill>
-        <p:spPr>
-          <a:xfrm>
-            <a:off x="-733341" y="5002642"/>
-            <a:ext cx="8324681" cy="4682632"/>
-          </a:xfrm>
-          <a:prstGeom prst="rect">
-            <a:avLst/>
-          </a:prstGeom>
-        </p:spPr>
-      </p:pic>
-      <p:pic>
-        <p:nvPicPr>
-          <p:cNvPr id="4" name="Content Placeholder 3">
-            <a:extLst>
-              <a:ext uri="{FF2B5EF4-FFF2-40B4-BE49-F238E27FC236}">
-                <a16:creationId xmlns:a16="http://schemas.microsoft.com/office/drawing/2014/main" id="{2337458E-D77F-6B47-AA37-F0F0FC934F44}"/>
-              </a:ext>
-            </a:extLst>
-          </p:cNvPr>
-          <p:cNvPicPr>
-            <a:picLocks noGrp="1" noChangeAspect="1"/>
-          </p:cNvPicPr>
-          <p:nvPr>
-            <p:ph idx="1"/>
-          </p:nvPr>
-        </p:nvPicPr>
-        <p:blipFill rotWithShape="1">
-          <a:blip r:embed="rId2">
-            <a:extLst>
-              <a:ext uri="{BEBA8EAE-BF5A-486C-A8C5-ECC9F3942E4B}">
-                <a14:imgProps xmlns:a14="http://schemas.microsoft.com/office/drawing/2010/main">
-                  <a14:imgLayer r:embed="rId4">
-                    <a14:imgEffect>
-                      <a14:brightnessContrast bright="-26000"/>
-                    </a14:imgEffect>
-                  </a14:imgLayer>
-                </a14:imgProps>
-              </a:ext>
-            </a:extLst>
-          </a:blip>
-          <a:srcRect/>
-          <a:stretch/>
-        </p:blipFill>
-        <p:spPr>
-          <a:xfrm>
-            <a:off x="471487" y="11912339"/>
-            <a:ext cx="5915025" cy="3327201"/>
-          </a:xfrm>
-        </p:spPr>
-      </p:pic>
-      <p:grpSp>
-        <p:nvGrpSpPr>
-          <p:cNvPr id="5" name="Group 4">
-            <a:extLst>
-              <a:ext uri="{FF2B5EF4-FFF2-40B4-BE49-F238E27FC236}">
-                <a16:creationId xmlns:a16="http://schemas.microsoft.com/office/drawing/2014/main" id="{785C09EC-6D8C-4C42-AF61-11A6061DB856}"/>
+                <a16:creationId xmlns:a16="http://schemas.microsoft.com/office/drawing/2014/main" id="{301E747A-A403-DC43-9DBF-E995D4D878B0}"/>
               </a:ext>
             </a:extLst>
           </p:cNvPr>
@@ -10024,18 +9998,706 @@
         </p:nvGrpSpPr>
         <p:grpSpPr>
           <a:xfrm>
-            <a:off x="822506" y="15550589"/>
-            <a:ext cx="4463262" cy="1443600"/>
-            <a:chOff x="474192" y="14908559"/>
-            <a:chExt cx="4463262" cy="1443600"/>
+            <a:off x="-911427" y="3710373"/>
+            <a:ext cx="7839766" cy="4409867"/>
+            <a:chOff x="-558367" y="3995252"/>
+            <a:chExt cx="8324681" cy="4682632"/>
+          </a:xfrm>
+        </p:grpSpPr>
+        <p:pic>
+          <p:nvPicPr>
+            <p:cNvPr id="18" name="Content Placeholder 3">
+              <a:extLst>
+                <a:ext uri="{FF2B5EF4-FFF2-40B4-BE49-F238E27FC236}">
+                  <a16:creationId xmlns:a16="http://schemas.microsoft.com/office/drawing/2014/main" id="{42DFE3D8-4433-634C-8C0F-E4ABC05DCCE1}"/>
+                </a:ext>
+              </a:extLst>
+            </p:cNvPr>
+            <p:cNvPicPr>
+              <a:picLocks noChangeAspect="1"/>
+            </p:cNvPicPr>
+            <p:nvPr/>
+          </p:nvPicPr>
+          <p:blipFill rotWithShape="1">
+            <a:blip r:embed="rId2">
+              <a:extLst>
+                <a:ext uri="{BEBA8EAE-BF5A-486C-A8C5-ECC9F3942E4B}">
+                  <a14:imgProps xmlns:a14="http://schemas.microsoft.com/office/drawing/2010/main">
+                    <a14:imgLayer r:embed="rId3">
+                      <a14:imgEffect>
+                        <a14:brightnessContrast bright="-26000"/>
+                      </a14:imgEffect>
+                    </a14:imgLayer>
+                  </a14:imgProps>
+                </a:ext>
+              </a:extLst>
+            </a:blip>
+            <a:srcRect/>
+            <a:stretch/>
+          </p:blipFill>
+          <p:spPr>
+            <a:xfrm>
+              <a:off x="-558367" y="3995252"/>
+              <a:ext cx="8324681" cy="4682632"/>
+            </a:xfrm>
+            <a:prstGeom prst="rect">
+              <a:avLst/>
+            </a:prstGeom>
+          </p:spPr>
+        </p:pic>
+        <p:grpSp>
+          <p:nvGrpSpPr>
+            <p:cNvPr id="12" name="Group 11">
+              <a:extLst>
+                <a:ext uri="{FF2B5EF4-FFF2-40B4-BE49-F238E27FC236}">
+                  <a16:creationId xmlns:a16="http://schemas.microsoft.com/office/drawing/2014/main" id="{2A8C00AC-4C50-E244-B1A6-03A038F7902B}"/>
+                </a:ext>
+              </a:extLst>
+            </p:cNvPr>
+            <p:cNvGrpSpPr/>
+            <p:nvPr/>
+          </p:nvGrpSpPr>
+          <p:grpSpPr>
+            <a:xfrm>
+              <a:off x="1768849" y="5712138"/>
+              <a:ext cx="3123679" cy="1010324"/>
+              <a:chOff x="474192" y="14908559"/>
+              <a:chExt cx="4463262" cy="1443600"/>
+            </a:xfrm>
+          </p:grpSpPr>
+          <p:sp>
+            <p:nvSpPr>
+              <p:cNvPr id="13" name="Rounded Rectangle 12">
+                <a:extLst>
+                  <a:ext uri="{FF2B5EF4-FFF2-40B4-BE49-F238E27FC236}">
+                    <a16:creationId xmlns:a16="http://schemas.microsoft.com/office/drawing/2014/main" id="{640BC8E9-D42C-874D-85CF-A8DF4350C536}"/>
+                  </a:ext>
+                </a:extLst>
+              </p:cNvPr>
+              <p:cNvSpPr/>
+              <p:nvPr/>
+            </p:nvSpPr>
+            <p:spPr>
+              <a:xfrm>
+                <a:off x="474192" y="14908559"/>
+                <a:ext cx="1367147" cy="1443600"/>
+              </a:xfrm>
+              <a:prstGeom prst="roundRect">
+                <a:avLst>
+                  <a:gd name="adj" fmla="val 50000"/>
+                </a:avLst>
+              </a:prstGeom>
+              <a:solidFill>
+                <a:schemeClr val="bg1"/>
+              </a:solidFill>
+              <a:ln w="57150">
+                <a:solidFill>
+                  <a:schemeClr val="bg1"/>
+                </a:solidFill>
+              </a:ln>
+            </p:spPr>
+            <p:style>
+              <a:lnRef idx="2">
+                <a:schemeClr val="accent1">
+                  <a:shade val="50000"/>
+                </a:schemeClr>
+              </a:lnRef>
+              <a:fillRef idx="1">
+                <a:schemeClr val="accent1"/>
+              </a:fillRef>
+              <a:effectRef idx="0">
+                <a:schemeClr val="accent1"/>
+              </a:effectRef>
+              <a:fontRef idx="minor">
+                <a:schemeClr val="lt1"/>
+              </a:fontRef>
+            </p:style>
+            <p:txBody>
+              <a:bodyPr rtlCol="0" anchor="ctr"/>
+              <a:lstStyle/>
+              <a:p>
+                <a:pPr algn="ctr"/>
+                <a:endParaRPr lang="en-GB" sz="6600" b="1" dirty="0">
+                  <a:solidFill>
+                    <a:srgbClr val="C00000"/>
+                  </a:solidFill>
+                  <a:latin typeface="Switzer" pitchFamily="2" charset="77"/>
+                </a:endParaRPr>
+              </a:p>
+            </p:txBody>
+          </p:sp>
+          <p:grpSp>
+            <p:nvGrpSpPr>
+              <p:cNvPr id="14" name="Group 13">
+                <a:extLst>
+                  <a:ext uri="{FF2B5EF4-FFF2-40B4-BE49-F238E27FC236}">
+                    <a16:creationId xmlns:a16="http://schemas.microsoft.com/office/drawing/2014/main" id="{11C23EBA-F6F3-4D47-BC25-79DC5B3468AB}"/>
+                  </a:ext>
+                </a:extLst>
+              </p:cNvPr>
+              <p:cNvGrpSpPr/>
+              <p:nvPr/>
+            </p:nvGrpSpPr>
+            <p:grpSpPr>
+              <a:xfrm>
+                <a:off x="784385" y="15271834"/>
+                <a:ext cx="720000" cy="720000"/>
+                <a:chOff x="813329" y="11870618"/>
+                <a:chExt cx="720000" cy="720000"/>
+              </a:xfrm>
+            </p:grpSpPr>
+            <p:sp>
+              <p:nvSpPr>
+                <p:cNvPr id="16" name="Rectangle 15">
+                  <a:extLst>
+                    <a:ext uri="{FF2B5EF4-FFF2-40B4-BE49-F238E27FC236}">
+                      <a16:creationId xmlns:a16="http://schemas.microsoft.com/office/drawing/2014/main" id="{6F493785-32B8-8543-8806-2FDA2A3ECBD1}"/>
+                    </a:ext>
+                  </a:extLst>
+                </p:cNvPr>
+                <p:cNvSpPr/>
+                <p:nvPr/>
+              </p:nvSpPr>
+              <p:spPr>
+                <a:xfrm>
+                  <a:off x="1072154" y="11870618"/>
+                  <a:ext cx="202351" cy="720000"/>
+                </a:xfrm>
+                <a:prstGeom prst="rect">
+                  <a:avLst/>
+                </a:prstGeom>
+                <a:solidFill>
+                  <a:srgbClr val="C00000"/>
+                </a:solidFill>
+                <a:ln>
+                  <a:noFill/>
+                </a:ln>
+              </p:spPr>
+              <p:style>
+                <a:lnRef idx="2">
+                  <a:schemeClr val="accent1">
+                    <a:shade val="50000"/>
+                  </a:schemeClr>
+                </a:lnRef>
+                <a:fillRef idx="1">
+                  <a:schemeClr val="accent1"/>
+                </a:fillRef>
+                <a:effectRef idx="0">
+                  <a:schemeClr val="accent1"/>
+                </a:effectRef>
+                <a:fontRef idx="minor">
+                  <a:schemeClr val="lt1"/>
+                </a:fontRef>
+              </p:style>
+              <p:txBody>
+                <a:bodyPr rtlCol="0" anchor="ctr"/>
+                <a:lstStyle/>
+                <a:p>
+                  <a:pPr algn="ctr"/>
+                  <a:endParaRPr lang="en-GB" sz="1200">
+                    <a:solidFill>
+                      <a:srgbClr val="C00000"/>
+                    </a:solidFill>
+                  </a:endParaRPr>
+                </a:p>
+              </p:txBody>
+            </p:sp>
+            <p:sp>
+              <p:nvSpPr>
+                <p:cNvPr id="17" name="Rectangle 16">
+                  <a:extLst>
+                    <a:ext uri="{FF2B5EF4-FFF2-40B4-BE49-F238E27FC236}">
+                      <a16:creationId xmlns:a16="http://schemas.microsoft.com/office/drawing/2014/main" id="{C160D0FD-0878-4245-8642-19388FB1D914}"/>
+                    </a:ext>
+                  </a:extLst>
+                </p:cNvPr>
+                <p:cNvSpPr/>
+                <p:nvPr/>
+              </p:nvSpPr>
+              <p:spPr>
+                <a:xfrm rot="5400000">
+                  <a:off x="1072153" y="11870618"/>
+                  <a:ext cx="202351" cy="720000"/>
+                </a:xfrm>
+                <a:prstGeom prst="rect">
+                  <a:avLst/>
+                </a:prstGeom>
+                <a:solidFill>
+                  <a:srgbClr val="C00000"/>
+                </a:solidFill>
+                <a:ln>
+                  <a:noFill/>
+                </a:ln>
+              </p:spPr>
+              <p:style>
+                <a:lnRef idx="2">
+                  <a:schemeClr val="accent1">
+                    <a:shade val="50000"/>
+                  </a:schemeClr>
+                </a:lnRef>
+                <a:fillRef idx="1">
+                  <a:schemeClr val="accent1"/>
+                </a:fillRef>
+                <a:effectRef idx="0">
+                  <a:schemeClr val="accent1"/>
+                </a:effectRef>
+                <a:fontRef idx="minor">
+                  <a:schemeClr val="lt1"/>
+                </a:fontRef>
+              </p:style>
+              <p:txBody>
+                <a:bodyPr rtlCol="0" anchor="ctr"/>
+                <a:lstStyle/>
+                <a:p>
+                  <a:pPr algn="ctr"/>
+                  <a:endParaRPr lang="en-GB" sz="1200">
+                    <a:solidFill>
+                      <a:srgbClr val="C00000"/>
+                    </a:solidFill>
+                  </a:endParaRPr>
+                </a:p>
+              </p:txBody>
+            </p:sp>
+          </p:grpSp>
+          <p:sp>
+            <p:nvSpPr>
+              <p:cNvPr id="15" name="Rounded Rectangle 14">
+                <a:extLst>
+                  <a:ext uri="{FF2B5EF4-FFF2-40B4-BE49-F238E27FC236}">
+                    <a16:creationId xmlns:a16="http://schemas.microsoft.com/office/drawing/2014/main" id="{2608AA5A-E2E1-1D4B-B097-66E116C11F57}"/>
+                  </a:ext>
+                </a:extLst>
+              </p:cNvPr>
+              <p:cNvSpPr/>
+              <p:nvPr/>
+            </p:nvSpPr>
+            <p:spPr>
+              <a:xfrm>
+                <a:off x="2057454" y="14908559"/>
+                <a:ext cx="2880000" cy="1443600"/>
+              </a:xfrm>
+              <a:prstGeom prst="roundRect">
+                <a:avLst>
+                  <a:gd name="adj" fmla="val 23677"/>
+                </a:avLst>
+              </a:prstGeom>
+              <a:solidFill>
+                <a:schemeClr val="bg1"/>
+              </a:solidFill>
+              <a:ln w="57150">
+                <a:solidFill>
+                  <a:schemeClr val="bg1"/>
+                </a:solidFill>
+              </a:ln>
+            </p:spPr>
+            <p:style>
+              <a:lnRef idx="2">
+                <a:schemeClr val="accent1">
+                  <a:shade val="50000"/>
+                </a:schemeClr>
+              </a:lnRef>
+              <a:fillRef idx="1">
+                <a:schemeClr val="accent1"/>
+              </a:fillRef>
+              <a:effectRef idx="0">
+                <a:schemeClr val="accent1"/>
+              </a:effectRef>
+              <a:fontRef idx="minor">
+                <a:schemeClr val="lt1"/>
+              </a:fontRef>
+            </p:style>
+            <p:txBody>
+              <a:bodyPr rtlCol="0" anchor="ctr"/>
+              <a:lstStyle/>
+              <a:p>
+                <a:pPr algn="ctr"/>
+                <a:r>
+                  <a:rPr lang="en-GB" sz="6600" b="1" spc="-300" dirty="0">
+                    <a:solidFill>
+                      <a:srgbClr val="C00000"/>
+                    </a:solidFill>
+                    <a:latin typeface="IBM Plex Sans" panose="020B0503050203000203" pitchFamily="34" charset="0"/>
+                  </a:rPr>
+                  <a:t>SPH</a:t>
+                </a:r>
+              </a:p>
+            </p:txBody>
+          </p:sp>
+        </p:grpSp>
+      </p:grpSp>
+      <p:grpSp>
+        <p:nvGrpSpPr>
+          <p:cNvPr id="38" name="Group 37">
+            <a:extLst>
+              <a:ext uri="{FF2B5EF4-FFF2-40B4-BE49-F238E27FC236}">
+                <a16:creationId xmlns:a16="http://schemas.microsoft.com/office/drawing/2014/main" id="{FAC36538-75D9-AB4B-8D7B-5434B7CDCB26}"/>
+              </a:ext>
+            </a:extLst>
+          </p:cNvPr>
+          <p:cNvGrpSpPr/>
+          <p:nvPr/>
+        </p:nvGrpSpPr>
+        <p:grpSpPr>
+          <a:xfrm>
+            <a:off x="291471" y="312964"/>
+            <a:ext cx="2949868" cy="1400710"/>
+            <a:chOff x="188903" y="273757"/>
+            <a:chExt cx="2949868" cy="1400710"/>
+          </a:xfrm>
+        </p:grpSpPr>
+        <p:grpSp>
+          <p:nvGrpSpPr>
+            <p:cNvPr id="19" name="Group 18">
+              <a:extLst>
+                <a:ext uri="{FF2B5EF4-FFF2-40B4-BE49-F238E27FC236}">
+                  <a16:creationId xmlns:a16="http://schemas.microsoft.com/office/drawing/2014/main" id="{FBDAC243-EA79-E743-9FFD-772EE8BF5A3C}"/>
+                </a:ext>
+              </a:extLst>
+            </p:cNvPr>
+            <p:cNvGrpSpPr/>
+            <p:nvPr/>
+          </p:nvGrpSpPr>
+          <p:grpSpPr>
+            <a:xfrm>
+              <a:off x="188903" y="273757"/>
+              <a:ext cx="2949868" cy="954107"/>
+              <a:chOff x="474192" y="14908559"/>
+              <a:chExt cx="4463262" cy="1443600"/>
+            </a:xfrm>
+          </p:grpSpPr>
+          <p:sp>
+            <p:nvSpPr>
+              <p:cNvPr id="20" name="Rounded Rectangle 19">
+                <a:extLst>
+                  <a:ext uri="{FF2B5EF4-FFF2-40B4-BE49-F238E27FC236}">
+                    <a16:creationId xmlns:a16="http://schemas.microsoft.com/office/drawing/2014/main" id="{97A41135-556A-C945-A1C6-814482032429}"/>
+                  </a:ext>
+                </a:extLst>
+              </p:cNvPr>
+              <p:cNvSpPr/>
+              <p:nvPr/>
+            </p:nvSpPr>
+            <p:spPr>
+              <a:xfrm>
+                <a:off x="474192" y="14908559"/>
+                <a:ext cx="1367147" cy="1443600"/>
+              </a:xfrm>
+              <a:prstGeom prst="roundRect">
+                <a:avLst>
+                  <a:gd name="adj" fmla="val 50000"/>
+                </a:avLst>
+              </a:prstGeom>
+              <a:solidFill>
+                <a:schemeClr val="tx1">
+                  <a:lumMod val="85000"/>
+                  <a:lumOff val="15000"/>
+                </a:schemeClr>
+              </a:solidFill>
+              <a:ln w="57150">
+                <a:solidFill>
+                  <a:schemeClr val="tx1">
+                    <a:lumMod val="85000"/>
+                    <a:lumOff val="15000"/>
+                  </a:schemeClr>
+                </a:solidFill>
+              </a:ln>
+            </p:spPr>
+            <p:style>
+              <a:lnRef idx="2">
+                <a:schemeClr val="accent1">
+                  <a:shade val="50000"/>
+                </a:schemeClr>
+              </a:lnRef>
+              <a:fillRef idx="1">
+                <a:schemeClr val="accent1"/>
+              </a:fillRef>
+              <a:effectRef idx="0">
+                <a:schemeClr val="accent1"/>
+              </a:effectRef>
+              <a:fontRef idx="minor">
+                <a:schemeClr val="lt1"/>
+              </a:fontRef>
+            </p:style>
+            <p:txBody>
+              <a:bodyPr rtlCol="0" anchor="ctr"/>
+              <a:lstStyle/>
+              <a:p>
+                <a:pPr algn="ctr"/>
+                <a:endParaRPr lang="en-GB" sz="8800" b="1" dirty="0">
+                  <a:solidFill>
+                    <a:schemeClr val="bg1"/>
+                  </a:solidFill>
+                  <a:latin typeface="Switzer" pitchFamily="2" charset="77"/>
+                </a:endParaRPr>
+              </a:p>
+            </p:txBody>
+          </p:sp>
+          <p:grpSp>
+            <p:nvGrpSpPr>
+              <p:cNvPr id="21" name="Group 20">
+                <a:extLst>
+                  <a:ext uri="{FF2B5EF4-FFF2-40B4-BE49-F238E27FC236}">
+                    <a16:creationId xmlns:a16="http://schemas.microsoft.com/office/drawing/2014/main" id="{2AE729AD-7BAD-8B4A-8D89-2F6EC8C2BF82}"/>
+                  </a:ext>
+                </a:extLst>
+              </p:cNvPr>
+              <p:cNvGrpSpPr/>
+              <p:nvPr/>
+            </p:nvGrpSpPr>
+            <p:grpSpPr>
+              <a:xfrm>
+                <a:off x="784385" y="15271834"/>
+                <a:ext cx="720000" cy="720000"/>
+                <a:chOff x="813329" y="11870618"/>
+                <a:chExt cx="720000" cy="720000"/>
+              </a:xfrm>
+            </p:grpSpPr>
+            <p:sp>
+              <p:nvSpPr>
+                <p:cNvPr id="23" name="Rectangle 22">
+                  <a:extLst>
+                    <a:ext uri="{FF2B5EF4-FFF2-40B4-BE49-F238E27FC236}">
+                      <a16:creationId xmlns:a16="http://schemas.microsoft.com/office/drawing/2014/main" id="{237F3EFE-0664-CD4E-A97E-616E518B59AB}"/>
+                    </a:ext>
+                  </a:extLst>
+                </p:cNvPr>
+                <p:cNvSpPr/>
+                <p:nvPr/>
+              </p:nvSpPr>
+              <p:spPr>
+                <a:xfrm>
+                  <a:off x="1072154" y="11870618"/>
+                  <a:ext cx="202351" cy="720000"/>
+                </a:xfrm>
+                <a:prstGeom prst="rect">
+                  <a:avLst/>
+                </a:prstGeom>
+                <a:solidFill>
+                  <a:schemeClr val="bg1"/>
+                </a:solidFill>
+                <a:ln>
+                  <a:noFill/>
+                </a:ln>
+              </p:spPr>
+              <p:style>
+                <a:lnRef idx="2">
+                  <a:schemeClr val="accent1">
+                    <a:shade val="50000"/>
+                  </a:schemeClr>
+                </a:lnRef>
+                <a:fillRef idx="1">
+                  <a:schemeClr val="accent1"/>
+                </a:fillRef>
+                <a:effectRef idx="0">
+                  <a:schemeClr val="accent1"/>
+                </a:effectRef>
+                <a:fontRef idx="minor">
+                  <a:schemeClr val="lt1"/>
+                </a:fontRef>
+              </p:style>
+              <p:txBody>
+                <a:bodyPr rtlCol="0" anchor="ctr"/>
+                <a:lstStyle/>
+                <a:p>
+                  <a:pPr algn="ctr"/>
+                  <a:endParaRPr lang="en-GB"/>
+                </a:p>
+              </p:txBody>
+            </p:sp>
+            <p:sp>
+              <p:nvSpPr>
+                <p:cNvPr id="24" name="Rectangle 23">
+                  <a:extLst>
+                    <a:ext uri="{FF2B5EF4-FFF2-40B4-BE49-F238E27FC236}">
+                      <a16:creationId xmlns:a16="http://schemas.microsoft.com/office/drawing/2014/main" id="{0053B43F-C0B1-8143-A2A0-945AAFADE5A2}"/>
+                    </a:ext>
+                  </a:extLst>
+                </p:cNvPr>
+                <p:cNvSpPr/>
+                <p:nvPr/>
+              </p:nvSpPr>
+              <p:spPr>
+                <a:xfrm rot="5400000">
+                  <a:off x="1072153" y="11870618"/>
+                  <a:ext cx="202351" cy="720000"/>
+                </a:xfrm>
+                <a:prstGeom prst="rect">
+                  <a:avLst/>
+                </a:prstGeom>
+                <a:solidFill>
+                  <a:schemeClr val="bg1"/>
+                </a:solidFill>
+                <a:ln>
+                  <a:noFill/>
+                </a:ln>
+              </p:spPr>
+              <p:style>
+                <a:lnRef idx="2">
+                  <a:schemeClr val="accent1">
+                    <a:shade val="50000"/>
+                  </a:schemeClr>
+                </a:lnRef>
+                <a:fillRef idx="1">
+                  <a:schemeClr val="accent1"/>
+                </a:fillRef>
+                <a:effectRef idx="0">
+                  <a:schemeClr val="accent1"/>
+                </a:effectRef>
+                <a:fontRef idx="minor">
+                  <a:schemeClr val="lt1"/>
+                </a:fontRef>
+              </p:style>
+              <p:txBody>
+                <a:bodyPr rtlCol="0" anchor="ctr"/>
+                <a:lstStyle/>
+                <a:p>
+                  <a:pPr algn="ctr"/>
+                  <a:endParaRPr lang="en-GB"/>
+                </a:p>
+              </p:txBody>
+            </p:sp>
+          </p:grpSp>
+          <p:sp>
+            <p:nvSpPr>
+              <p:cNvPr id="22" name="Rounded Rectangle 21">
+                <a:extLst>
+                  <a:ext uri="{FF2B5EF4-FFF2-40B4-BE49-F238E27FC236}">
+                    <a16:creationId xmlns:a16="http://schemas.microsoft.com/office/drawing/2014/main" id="{8226A0C1-3271-DF46-BC84-99306E6B7358}"/>
+                  </a:ext>
+                </a:extLst>
+              </p:cNvPr>
+              <p:cNvSpPr/>
+              <p:nvPr/>
+            </p:nvSpPr>
+            <p:spPr>
+              <a:xfrm>
+                <a:off x="2057454" y="14908559"/>
+                <a:ext cx="2880000" cy="1443600"/>
+              </a:xfrm>
+              <a:prstGeom prst="roundRect">
+                <a:avLst>
+                  <a:gd name="adj" fmla="val 23677"/>
+                </a:avLst>
+              </a:prstGeom>
+              <a:solidFill>
+                <a:schemeClr val="tx1">
+                  <a:lumMod val="85000"/>
+                  <a:lumOff val="15000"/>
+                </a:schemeClr>
+              </a:solidFill>
+              <a:ln w="57150">
+                <a:solidFill>
+                  <a:schemeClr val="tx1">
+                    <a:lumMod val="85000"/>
+                    <a:lumOff val="15000"/>
+                  </a:schemeClr>
+                </a:solidFill>
+              </a:ln>
+            </p:spPr>
+            <p:style>
+              <a:lnRef idx="2">
+                <a:schemeClr val="accent1">
+                  <a:shade val="50000"/>
+                </a:schemeClr>
+              </a:lnRef>
+              <a:fillRef idx="1">
+                <a:schemeClr val="accent1"/>
+              </a:fillRef>
+              <a:effectRef idx="0">
+                <a:schemeClr val="accent1"/>
+              </a:effectRef>
+              <a:fontRef idx="minor">
+                <a:schemeClr val="lt1"/>
+              </a:fontRef>
+            </p:style>
+            <p:txBody>
+              <a:bodyPr rtlCol="0" anchor="ctr"/>
+              <a:lstStyle/>
+              <a:p>
+                <a:pPr algn="ctr"/>
+                <a:r>
+                  <a:rPr lang="en-GB" sz="6600" b="1" spc="-300" dirty="0">
+                    <a:solidFill>
+                      <a:schemeClr val="bg1"/>
+                    </a:solidFill>
+                    <a:latin typeface="IBM Plex Sans" panose="020B0503050203000203" pitchFamily="34" charset="0"/>
+                  </a:rPr>
+                  <a:t>SPH</a:t>
+                </a:r>
+              </a:p>
+            </p:txBody>
+          </p:sp>
+        </p:grpSp>
+        <p:sp>
+          <p:nvSpPr>
+            <p:cNvPr id="25" name="TextBox 24">
+              <a:extLst>
+                <a:ext uri="{FF2B5EF4-FFF2-40B4-BE49-F238E27FC236}">
+                  <a16:creationId xmlns:a16="http://schemas.microsoft.com/office/drawing/2014/main" id="{FFA0E67F-CC69-E845-B118-52C208481EFA}"/>
+                </a:ext>
+              </a:extLst>
+            </p:cNvPr>
+            <p:cNvSpPr txBox="1"/>
+            <p:nvPr/>
+          </p:nvSpPr>
+          <p:spPr>
+            <a:xfrm>
+              <a:off x="1233713" y="1289746"/>
+              <a:ext cx="1866744" cy="384721"/>
+            </a:xfrm>
+            <a:prstGeom prst="rect">
+              <a:avLst/>
+            </a:prstGeom>
+            <a:noFill/>
+          </p:spPr>
+          <p:txBody>
+            <a:bodyPr wrap="square" rtlCol="0">
+              <a:spAutoFit/>
+            </a:bodyPr>
+            <a:lstStyle/>
+            <a:p>
+              <a:r>
+                <a:rPr lang="en-US" sz="1900" dirty="0">
+                  <a:solidFill>
+                    <a:schemeClr val="tx1">
+                      <a:lumMod val="75000"/>
+                      <a:lumOff val="25000"/>
+                    </a:schemeClr>
+                  </a:solidFill>
+                  <a:latin typeface="IBM Plex Sans Condensed Medium" panose="020B0606050203000203" pitchFamily="34" charset="77"/>
+                </a:rPr>
+                <a:t>SwissPedHealth</a:t>
+              </a:r>
+            </a:p>
+          </p:txBody>
+        </p:sp>
+      </p:grpSp>
+      <p:grpSp>
+        <p:nvGrpSpPr>
+          <p:cNvPr id="26" name="Group 25">
+            <a:extLst>
+              <a:ext uri="{FF2B5EF4-FFF2-40B4-BE49-F238E27FC236}">
+                <a16:creationId xmlns:a16="http://schemas.microsoft.com/office/drawing/2014/main" id="{3913E034-116C-3D46-9EC4-21DF38B02526}"/>
+              </a:ext>
+            </a:extLst>
+          </p:cNvPr>
+          <p:cNvGrpSpPr/>
+          <p:nvPr/>
+        </p:nvGrpSpPr>
+        <p:grpSpPr>
+          <a:xfrm rot="16200000">
+            <a:off x="2200160" y="10691906"/>
+            <a:ext cx="2338600" cy="722008"/>
+            <a:chOff x="474191" y="14908560"/>
+            <a:chExt cx="4675853" cy="1443600"/>
           </a:xfrm>
         </p:grpSpPr>
         <p:sp>
           <p:nvSpPr>
-            <p:cNvPr id="6" name="Rounded Rectangle 5">
+            <p:cNvPr id="27" name="Rounded Rectangle 26">
               <a:extLst>
                 <a:ext uri="{FF2B5EF4-FFF2-40B4-BE49-F238E27FC236}">
-                  <a16:creationId xmlns:a16="http://schemas.microsoft.com/office/drawing/2014/main" id="{B135385A-75C7-E747-A41B-F6DA72C66F61}"/>
+                  <a16:creationId xmlns:a16="http://schemas.microsoft.com/office/drawing/2014/main" id="{897C35DB-1857-ED40-B3F7-61AD8F3885E5}"/>
                 </a:ext>
               </a:extLst>
             </p:cNvPr>
@@ -10044,8 +10706,8 @@
           </p:nvSpPr>
           <p:spPr>
             <a:xfrm>
-              <a:off x="474192" y="14908559"/>
-              <a:ext cx="1367147" cy="1443600"/>
+              <a:off x="474191" y="14908560"/>
+              <a:ext cx="1367146" cy="1443600"/>
             </a:xfrm>
             <a:prstGeom prst="roundRect">
               <a:avLst>
@@ -10093,10 +10755,10 @@
         </p:sp>
         <p:grpSp>
           <p:nvGrpSpPr>
-            <p:cNvPr id="7" name="Group 6">
+            <p:cNvPr id="28" name="Group 27">
               <a:extLst>
                 <a:ext uri="{FF2B5EF4-FFF2-40B4-BE49-F238E27FC236}">
-                  <a16:creationId xmlns:a16="http://schemas.microsoft.com/office/drawing/2014/main" id="{B1A64C85-C30C-BB4E-B835-BCAA0D9689FB}"/>
+                  <a16:creationId xmlns:a16="http://schemas.microsoft.com/office/drawing/2014/main" id="{0EAEB99D-F22C-E247-AF64-8876E0904168}"/>
                 </a:ext>
               </a:extLst>
             </p:cNvPr>
@@ -10113,10 +10775,10 @@
           </p:grpSpPr>
           <p:sp>
             <p:nvSpPr>
-              <p:cNvPr id="9" name="Rectangle 8">
+              <p:cNvPr id="30" name="Rectangle 29">
                 <a:extLst>
                   <a:ext uri="{FF2B5EF4-FFF2-40B4-BE49-F238E27FC236}">
-                    <a16:creationId xmlns:a16="http://schemas.microsoft.com/office/drawing/2014/main" id="{6AC95823-4870-4742-A7A5-11C25E97D5A0}"/>
+                    <a16:creationId xmlns:a16="http://schemas.microsoft.com/office/drawing/2014/main" id="{2E9B140E-9EBB-1349-8457-E1E22E1B9DEE}"/>
                   </a:ext>
                 </a:extLst>
               </p:cNvPr>
@@ -10165,10 +10827,10 @@
           </p:sp>
           <p:sp>
             <p:nvSpPr>
-              <p:cNvPr id="10" name="Rectangle 9">
+              <p:cNvPr id="31" name="Rectangle 30">
                 <a:extLst>
                   <a:ext uri="{FF2B5EF4-FFF2-40B4-BE49-F238E27FC236}">
-                    <a16:creationId xmlns:a16="http://schemas.microsoft.com/office/drawing/2014/main" id="{493D636E-8ACB-814F-B8AE-B7A8F781D088}"/>
+                    <a16:creationId xmlns:a16="http://schemas.microsoft.com/office/drawing/2014/main" id="{C0B0E368-8128-C241-BBD0-D1292B5FE308}"/>
                   </a:ext>
                 </a:extLst>
               </p:cNvPr>
@@ -10218,10 +10880,10 @@
         </p:grpSp>
         <p:sp>
           <p:nvSpPr>
-            <p:cNvPr id="8" name="Rounded Rectangle 7">
+            <p:cNvPr id="29" name="Rounded Rectangle 28">
               <a:extLst>
                 <a:ext uri="{FF2B5EF4-FFF2-40B4-BE49-F238E27FC236}">
-                  <a16:creationId xmlns:a16="http://schemas.microsoft.com/office/drawing/2014/main" id="{BBE28EB1-A992-DA40-A3A2-78F095A95376}"/>
+                  <a16:creationId xmlns:a16="http://schemas.microsoft.com/office/drawing/2014/main" id="{BC60D14F-DEFE-624F-86E6-4229015DE569}"/>
                 </a:ext>
               </a:extLst>
             </p:cNvPr>
@@ -10230,8 +10892,8 @@
           </p:nvSpPr>
           <p:spPr>
             <a:xfrm>
-              <a:off x="2057454" y="14908559"/>
-              <a:ext cx="2880000" cy="1443600"/>
+              <a:off x="2270044" y="14908562"/>
+              <a:ext cx="2880000" cy="1443596"/>
             </a:xfrm>
             <a:prstGeom prst="roundRect">
               <a:avLst>
@@ -10269,11 +10931,11 @@
             <a:p>
               <a:pPr algn="ctr"/>
               <a:r>
-                <a:rPr lang="en-GB" sz="8800" b="1" dirty="0">
+                <a:rPr lang="en-GB" sz="4800" b="1" spc="-300" dirty="0">
                   <a:solidFill>
                     <a:schemeClr val="bg1"/>
                   </a:solidFill>
-                  <a:latin typeface="Switzer" pitchFamily="2" charset="77"/>
+                  <a:latin typeface="IBM Plex Sans" panose="020B0503050203000203" pitchFamily="34" charset="0"/>
                 </a:rPr>
                 <a:t>SPH</a:t>
               </a:r>
@@ -10283,10 +10945,10 @@
       </p:grpSp>
       <p:sp>
         <p:nvSpPr>
-          <p:cNvPr id="11" name="TextBox 10">
+          <p:cNvPr id="33" name="TextBox 32">
             <a:extLst>
               <a:ext uri="{FF2B5EF4-FFF2-40B4-BE49-F238E27FC236}">
-                <a16:creationId xmlns:a16="http://schemas.microsoft.com/office/drawing/2014/main" id="{0CFD6CBC-9947-394E-88E4-4A0BDD0074FD}"/>
+                <a16:creationId xmlns:a16="http://schemas.microsoft.com/office/drawing/2014/main" id="{F9F49420-4DA8-3E46-B5BB-C080EA405653}"/>
               </a:ext>
             </a:extLst>
           </p:cNvPr>
@@ -10295,8 +10957,8 @@
         </p:nvSpPr>
         <p:spPr>
           <a:xfrm>
-            <a:off x="2448021" y="17095954"/>
-            <a:ext cx="2824812" cy="523220"/>
+            <a:off x="4013705" y="1668124"/>
+            <a:ext cx="2427735" cy="2308324"/>
           </a:xfrm>
           <a:prstGeom prst="rect">
             <a:avLst/>
@@ -10304,305 +10966,489 @@
           <a:noFill/>
         </p:spPr>
         <p:txBody>
-          <a:bodyPr wrap="none" rtlCol="0">
+          <a:bodyPr wrap="square" rtlCol="0">
             <a:spAutoFit/>
           </a:bodyPr>
           <a:lstStyle/>
           <a:p>
             <a:r>
-              <a:rPr lang="en-US" sz="2800" dirty="0">
+              <a:rPr lang="en-US" sz="1600" dirty="0">
                 <a:solidFill>
                   <a:schemeClr val="tx1">
                     <a:lumMod val="75000"/>
                     <a:lumOff val="25000"/>
                   </a:schemeClr>
                 </a:solidFill>
-                <a:latin typeface="Switzer" pitchFamily="2" charset="77"/>
+                <a:latin typeface="IBM Plex Sans" panose="020B0503050203000203" pitchFamily="34" charset="0"/>
               </a:rPr>
-              <a:t>SwissPedHealth</a:t>
+              <a:t>IBM Plex Sans </a:t>
             </a:r>
           </a:p>
-        </p:txBody>
-      </p:sp>
-      <p:grpSp>
-        <p:nvGrpSpPr>
-          <p:cNvPr id="12" name="Group 11">
+          <a:p>
+            <a:r>
+              <a:rPr lang="en-US" sz="1600" dirty="0">
+                <a:solidFill>
+                  <a:schemeClr val="tx1">
+                    <a:lumMod val="75000"/>
+                    <a:lumOff val="25000"/>
+                  </a:schemeClr>
+                </a:solidFill>
+                <a:latin typeface="IBM Plex Sans" panose="020B0503050203000203" pitchFamily="34" charset="0"/>
+              </a:rPr>
+              <a:t>Used in </a:t>
+            </a:r>
+            <a:r>
+              <a:rPr lang="en-US" sz="1600" b="1" dirty="0">
+                <a:solidFill>
+                  <a:schemeClr val="tx1">
+                    <a:lumMod val="75000"/>
+                    <a:lumOff val="25000"/>
+                  </a:schemeClr>
+                </a:solidFill>
+                <a:latin typeface="IBM Plex Sans" panose="020B0503050203000203" pitchFamily="34" charset="0"/>
+              </a:rPr>
+              <a:t>initials logo </a:t>
+            </a:r>
+            <a:r>
+              <a:rPr lang="en-US" sz="1600" dirty="0">
+                <a:solidFill>
+                  <a:schemeClr val="tx1">
+                    <a:lumMod val="75000"/>
+                    <a:lumOff val="25000"/>
+                  </a:schemeClr>
+                </a:solidFill>
+                <a:latin typeface="IBM Plex Sans" panose="020B0503050203000203" pitchFamily="34" charset="0"/>
+              </a:rPr>
+              <a:t>and </a:t>
+            </a:r>
+          </a:p>
+          <a:p>
+            <a:r>
+              <a:rPr lang="en-US" sz="1600" dirty="0">
+                <a:solidFill>
+                  <a:schemeClr val="tx1">
+                    <a:lumMod val="75000"/>
+                    <a:lumOff val="25000"/>
+                  </a:schemeClr>
+                </a:solidFill>
+                <a:latin typeface="IBM Plex Sans" panose="020B0503050203000203" pitchFamily="34" charset="0"/>
+              </a:rPr>
+              <a:t>website </a:t>
+            </a:r>
+            <a:r>
+              <a:rPr lang="en-US" sz="1600" b="1" dirty="0">
+                <a:solidFill>
+                  <a:schemeClr val="tx1">
+                    <a:lumMod val="75000"/>
+                    <a:lumOff val="25000"/>
+                  </a:schemeClr>
+                </a:solidFill>
+                <a:latin typeface="IBM Plex Sans" panose="020B0503050203000203" pitchFamily="34" charset="0"/>
+              </a:rPr>
+              <a:t>body text</a:t>
+            </a:r>
+            <a:r>
+              <a:rPr lang="en-US" sz="1600" dirty="0">
+                <a:solidFill>
+                  <a:schemeClr val="tx1">
+                    <a:lumMod val="75000"/>
+                    <a:lumOff val="25000"/>
+                  </a:schemeClr>
+                </a:solidFill>
+                <a:latin typeface="IBM Plex Sans" panose="020B0503050203000203" pitchFamily="34" charset="0"/>
+              </a:rPr>
+              <a:t>. </a:t>
+            </a:r>
+            <a:r>
+              <a:rPr lang="en-US" sz="1600" b="0" i="0" u="none" strike="noStrike" dirty="0">
+                <a:solidFill>
+                  <a:srgbClr val="212529"/>
+                </a:solidFill>
+                <a:effectLst/>
+                <a:latin typeface="IBM Plex Sans" panose="020B0503050203000203" pitchFamily="34" charset="0"/>
+              </a:rPr>
+              <a:t>Provides natural and engineered letterforms in balance for a modern Swiss graphic style distinc</a:t>
+            </a:r>
+            <a:r>
+              <a:rPr lang="en-US" sz="1600" dirty="0">
+                <a:solidFill>
+                  <a:srgbClr val="212529"/>
+                </a:solidFill>
+                <a:latin typeface="IBM Plex Sans" panose="020B0503050203000203" pitchFamily="34" charset="0"/>
+              </a:rPr>
+              <a:t>t from the </a:t>
+            </a:r>
+          </a:p>
+          <a:p>
+            <a:r>
+              <a:rPr lang="en-US" sz="1600" dirty="0">
+                <a:solidFill>
+                  <a:srgbClr val="212529"/>
+                </a:solidFill>
+                <a:latin typeface="IBM Plex Sans" panose="020B0503050203000203" pitchFamily="34" charset="0"/>
+              </a:rPr>
+              <a:t>classic Helvetica.</a:t>
+            </a:r>
+            <a:endParaRPr lang="en-US" sz="1600" dirty="0">
+              <a:solidFill>
+                <a:schemeClr val="tx1">
+                  <a:lumMod val="75000"/>
+                  <a:lumOff val="25000"/>
+                </a:schemeClr>
+              </a:solidFill>
+              <a:latin typeface="IBM Plex Sans Condensed Medium" panose="020B0606050203000203" pitchFamily="34" charset="77"/>
+            </a:endParaRPr>
+          </a:p>
+        </p:txBody>
+      </p:sp>
+      <p:sp>
+        <p:nvSpPr>
+          <p:cNvPr id="34" name="TextBox 33">
             <a:extLst>
               <a:ext uri="{FF2B5EF4-FFF2-40B4-BE49-F238E27FC236}">
-                <a16:creationId xmlns:a16="http://schemas.microsoft.com/office/drawing/2014/main" id="{2A8C00AC-4C50-E244-B1A6-03A038F7902B}"/>
+                <a16:creationId xmlns:a16="http://schemas.microsoft.com/office/drawing/2014/main" id="{EC09708E-F757-BF42-A62E-999C505D2D6D}"/>
               </a:ext>
             </a:extLst>
           </p:cNvPr>
-          <p:cNvGrpSpPr/>
+          <p:cNvSpPr txBox="1"/>
           <p:nvPr/>
-        </p:nvGrpSpPr>
-        <p:grpSpPr>
+        </p:nvSpPr>
+        <p:spPr>
           <a:xfrm>
-            <a:off x="1593875" y="6719528"/>
-            <a:ext cx="3123679" cy="1010324"/>
-            <a:chOff x="474192" y="14908559"/>
-            <a:chExt cx="4463262" cy="1443600"/>
+            <a:off x="390132" y="8120240"/>
+            <a:ext cx="2428303" cy="1323439"/>
           </a:xfrm>
-        </p:grpSpPr>
-        <p:sp>
-          <p:nvSpPr>
-            <p:cNvPr id="13" name="Rounded Rectangle 12">
-              <a:extLst>
-                <a:ext uri="{FF2B5EF4-FFF2-40B4-BE49-F238E27FC236}">
-                  <a16:creationId xmlns:a16="http://schemas.microsoft.com/office/drawing/2014/main" id="{640BC8E9-D42C-874D-85CF-A8DF4350C536}"/>
-                </a:ext>
-              </a:extLst>
-            </p:cNvPr>
-            <p:cNvSpPr/>
-            <p:nvPr/>
-          </p:nvSpPr>
-          <p:spPr>
-            <a:xfrm>
-              <a:off x="474192" y="14908559"/>
-              <a:ext cx="1367147" cy="1443600"/>
-            </a:xfrm>
-            <a:prstGeom prst="roundRect">
-              <a:avLst>
-                <a:gd name="adj" fmla="val 50000"/>
-              </a:avLst>
-            </a:prstGeom>
-            <a:solidFill>
-              <a:schemeClr val="bg1"/>
-            </a:solidFill>
-            <a:ln w="57150">
+          <a:prstGeom prst="rect">
+            <a:avLst/>
+          </a:prstGeom>
+          <a:noFill/>
+        </p:spPr>
+        <p:txBody>
+          <a:bodyPr wrap="square" rtlCol="0">
+            <a:spAutoFit/>
+          </a:bodyPr>
+          <a:lstStyle/>
+          <a:p>
+            <a:r>
+              <a:rPr lang="en-US" sz="1600" dirty="0">
+                <a:solidFill>
+                  <a:schemeClr val="tx1">
+                    <a:lumMod val="75000"/>
+                    <a:lumOff val="25000"/>
+                  </a:schemeClr>
+                </a:solidFill>
+                <a:latin typeface="IBM Plex Sans Condensed Medium" panose="020B0606050203000203" pitchFamily="34" charset="77"/>
+              </a:rPr>
+              <a:t>IBM Plex Sans Condensed</a:t>
+            </a:r>
+          </a:p>
+          <a:p>
+            <a:r>
+              <a:rPr lang="en-US" sz="1600" dirty="0">
+                <a:solidFill>
+                  <a:schemeClr val="tx1">
+                    <a:lumMod val="75000"/>
+                    <a:lumOff val="25000"/>
+                  </a:schemeClr>
+                </a:solidFill>
+                <a:latin typeface="IBM Plex Sans" panose="020B0503050203000203" pitchFamily="34" charset="0"/>
+              </a:rPr>
+              <a:t>Used in </a:t>
+            </a:r>
+            <a:r>
+              <a:rPr lang="en-US" sz="1600" b="1" dirty="0">
+                <a:solidFill>
+                  <a:schemeClr val="tx1">
+                    <a:lumMod val="75000"/>
+                    <a:lumOff val="25000"/>
+                  </a:schemeClr>
+                </a:solidFill>
+                <a:latin typeface="IBM Plex Sans" panose="020B0503050203000203" pitchFamily="34" charset="0"/>
+              </a:rPr>
+              <a:t>logo full name </a:t>
+            </a:r>
+            <a:r>
+              <a:rPr lang="en-US" sz="1600" dirty="0">
+                <a:solidFill>
+                  <a:schemeClr val="tx1">
+                    <a:lumMod val="75000"/>
+                    <a:lumOff val="25000"/>
+                  </a:schemeClr>
+                </a:solidFill>
+                <a:latin typeface="IBM Plex Sans" panose="020B0503050203000203" pitchFamily="34" charset="0"/>
+              </a:rPr>
+              <a:t>and website </a:t>
+            </a:r>
+            <a:r>
+              <a:rPr lang="en-US" sz="1600" b="1" dirty="0">
+                <a:solidFill>
+                  <a:schemeClr val="tx1">
+                    <a:lumMod val="75000"/>
+                    <a:lumOff val="25000"/>
+                  </a:schemeClr>
+                </a:solidFill>
+                <a:latin typeface="IBM Plex Sans" panose="020B0503050203000203" pitchFamily="34" charset="0"/>
+              </a:rPr>
+              <a:t>headings</a:t>
+            </a:r>
+            <a:r>
+              <a:rPr lang="en-US" sz="1600" dirty="0">
+                <a:solidFill>
+                  <a:schemeClr val="tx1">
+                    <a:lumMod val="75000"/>
+                    <a:lumOff val="25000"/>
+                  </a:schemeClr>
+                </a:solidFill>
+                <a:latin typeface="IBM Plex Sans" panose="020B0503050203000203" pitchFamily="34" charset="0"/>
+              </a:rPr>
+              <a:t>.</a:t>
+            </a:r>
+            <a:endParaRPr lang="en-US" sz="1600" dirty="0">
               <a:solidFill>
-                <a:schemeClr val="bg1"/>
+                <a:schemeClr val="tx1">
+                  <a:lumMod val="75000"/>
+                  <a:lumOff val="25000"/>
+                </a:schemeClr>
               </a:solidFill>
-            </a:ln>
-          </p:spPr>
-          <p:style>
-            <a:lnRef idx="2">
-              <a:schemeClr val="accent1">
-                <a:shade val="50000"/>
-              </a:schemeClr>
-            </a:lnRef>
-            <a:fillRef idx="1">
-              <a:schemeClr val="accent1"/>
-            </a:fillRef>
-            <a:effectRef idx="0">
-              <a:schemeClr val="accent1"/>
-            </a:effectRef>
-            <a:fontRef idx="minor">
-              <a:schemeClr val="lt1"/>
-            </a:fontRef>
-          </p:style>
-          <p:txBody>
-            <a:bodyPr rtlCol="0" anchor="ctr"/>
-            <a:lstStyle/>
-            <a:p>
-              <a:pPr algn="ctr"/>
-              <a:endParaRPr lang="en-GB" sz="6600" b="1" dirty="0">
+              <a:latin typeface="IBM Plex Sans Condensed Medium" panose="020B0606050203000203" pitchFamily="34" charset="77"/>
+            </a:endParaRPr>
+          </a:p>
+          <a:p>
+            <a:r>
+              <a:rPr lang="en-US" sz="1600" dirty="0">
                 <a:solidFill>
-                  <a:srgbClr val="C00000"/>
+                  <a:schemeClr val="tx1">
+                    <a:lumMod val="75000"/>
+                    <a:lumOff val="25000"/>
+                  </a:schemeClr>
                 </a:solidFill>
-                <a:latin typeface="Switzer" pitchFamily="2" charset="77"/>
-              </a:endParaRPr>
-            </a:p>
-          </p:txBody>
-        </p:sp>
-        <p:grpSp>
-          <p:nvGrpSpPr>
-            <p:cNvPr id="14" name="Group 13">
-              <a:extLst>
-                <a:ext uri="{FF2B5EF4-FFF2-40B4-BE49-F238E27FC236}">
-                  <a16:creationId xmlns:a16="http://schemas.microsoft.com/office/drawing/2014/main" id="{11C23EBA-F6F3-4D47-BC25-79DC5B3468AB}"/>
-                </a:ext>
-              </a:extLst>
-            </p:cNvPr>
-            <p:cNvGrpSpPr/>
-            <p:nvPr/>
-          </p:nvGrpSpPr>
-          <p:grpSpPr>
-            <a:xfrm>
-              <a:off x="784385" y="15271834"/>
-              <a:ext cx="720000" cy="720000"/>
-              <a:chOff x="813329" y="11870618"/>
-              <a:chExt cx="720000" cy="720000"/>
-            </a:xfrm>
-          </p:grpSpPr>
-          <p:sp>
-            <p:nvSpPr>
-              <p:cNvPr id="16" name="Rectangle 15">
-                <a:extLst>
-                  <a:ext uri="{FF2B5EF4-FFF2-40B4-BE49-F238E27FC236}">
-                    <a16:creationId xmlns:a16="http://schemas.microsoft.com/office/drawing/2014/main" id="{6F493785-32B8-8543-8806-2FDA2A3ECBD1}"/>
-                  </a:ext>
-                </a:extLst>
-              </p:cNvPr>
-              <p:cNvSpPr/>
-              <p:nvPr/>
-            </p:nvSpPr>
-            <p:spPr>
-              <a:xfrm>
-                <a:off x="1072154" y="11870618"/>
-                <a:ext cx="202351" cy="720000"/>
-              </a:xfrm>
-              <a:prstGeom prst="rect">
-                <a:avLst/>
-              </a:prstGeom>
+                <a:latin typeface="IBM Plex Sans" panose="020B0503050203000203" pitchFamily="34" charset="0"/>
+              </a:rPr>
+              <a:t>Best for reading short lines and headings.</a:t>
+            </a:r>
+          </a:p>
+        </p:txBody>
+      </p:sp>
+      <p:sp>
+        <p:nvSpPr>
+          <p:cNvPr id="36" name="TextBox 35">
+            <a:extLst>
+              <a:ext uri="{FF2B5EF4-FFF2-40B4-BE49-F238E27FC236}">
+                <a16:creationId xmlns:a16="http://schemas.microsoft.com/office/drawing/2014/main" id="{CA8DE709-2A39-F443-900B-54DA2142FB26}"/>
+              </a:ext>
+            </a:extLst>
+          </p:cNvPr>
+          <p:cNvSpPr txBox="1"/>
+          <p:nvPr/>
+        </p:nvSpPr>
+        <p:spPr>
+          <a:xfrm>
+            <a:off x="390132" y="12353218"/>
+            <a:ext cx="2428304" cy="2031325"/>
+          </a:xfrm>
+          <a:prstGeom prst="rect">
+            <a:avLst/>
+          </a:prstGeom>
+          <a:noFill/>
+        </p:spPr>
+        <p:txBody>
+          <a:bodyPr wrap="square" rtlCol="0">
+            <a:spAutoFit/>
+          </a:bodyPr>
+          <a:lstStyle/>
+          <a:p>
+            <a:r>
+              <a:rPr lang="en-GB" dirty="0">
+                <a:solidFill>
+                  <a:schemeClr val="tx1">
+                    <a:lumMod val="75000"/>
+                    <a:lumOff val="25000"/>
+                  </a:schemeClr>
+                </a:solidFill>
+                <a:latin typeface="IBM Plex Sans" panose="020B0503050203000203" pitchFamily="34" charset="0"/>
+              </a:rPr>
+              <a:t>IBM Plex Sans is a well designed open source font family commissioned by IBM and is available on all devices via by Google Fonts API. </a:t>
+            </a:r>
+          </a:p>
+        </p:txBody>
+      </p:sp>
+      <p:sp>
+        <p:nvSpPr>
+          <p:cNvPr id="39" name="TextBox 38">
+            <a:extLst>
+              <a:ext uri="{FF2B5EF4-FFF2-40B4-BE49-F238E27FC236}">
+                <a16:creationId xmlns:a16="http://schemas.microsoft.com/office/drawing/2014/main" id="{709ACE4E-B79A-A94F-A17D-816ABF9B284D}"/>
+              </a:ext>
+            </a:extLst>
+          </p:cNvPr>
+          <p:cNvSpPr txBox="1"/>
+          <p:nvPr/>
+        </p:nvSpPr>
+        <p:spPr>
+          <a:xfrm>
+            <a:off x="4013704" y="9737117"/>
+            <a:ext cx="2427735" cy="2616101"/>
+          </a:xfrm>
+          <a:prstGeom prst="rect">
+            <a:avLst/>
+          </a:prstGeom>
+          <a:noFill/>
+        </p:spPr>
+        <p:txBody>
+          <a:bodyPr wrap="square" rtlCol="0">
+            <a:spAutoFit/>
+          </a:bodyPr>
+          <a:lstStyle/>
+          <a:p>
+            <a:r>
+              <a:rPr lang="en-US" sz="1600" dirty="0">
+                <a:solidFill>
+                  <a:schemeClr val="tx1">
+                    <a:lumMod val="75000"/>
+                    <a:lumOff val="25000"/>
+                  </a:schemeClr>
+                </a:solidFill>
+                <a:latin typeface="IBM Plex Sans" panose="020B0503050203000203" pitchFamily="34" charset="0"/>
+              </a:rPr>
+              <a:t>The medical cross </a:t>
+            </a:r>
+          </a:p>
+          <a:p>
+            <a:r>
+              <a:rPr lang="en-US" sz="1600" dirty="0">
+                <a:solidFill>
+                  <a:schemeClr val="tx1">
+                    <a:lumMod val="75000"/>
+                    <a:lumOff val="25000"/>
+                  </a:schemeClr>
+                </a:solidFill>
+                <a:latin typeface="IBM Plex Sans" panose="020B0503050203000203" pitchFamily="34" charset="0"/>
+              </a:rPr>
+              <a:t>infers meaning and </a:t>
+            </a:r>
+          </a:p>
+          <a:p>
+            <a:r>
+              <a:rPr lang="en-US" sz="3600" dirty="0">
+                <a:solidFill>
+                  <a:schemeClr val="tx1">
+                    <a:lumMod val="75000"/>
+                    <a:lumOff val="25000"/>
+                  </a:schemeClr>
+                </a:solidFill>
+                <a:latin typeface="IBM Plex Sans Condensed Medium" panose="020B0606050203000203" pitchFamily="34" charset="77"/>
+              </a:rPr>
+              <a:t>URGENCY</a:t>
+            </a:r>
+            <a:endParaRPr lang="en-US" sz="1600" dirty="0">
               <a:solidFill>
-                <a:srgbClr val="C00000"/>
+                <a:schemeClr val="tx1">
+                  <a:lumMod val="75000"/>
+                  <a:lumOff val="25000"/>
+                </a:schemeClr>
               </a:solidFill>
-              <a:ln>
-                <a:noFill/>
-              </a:ln>
-            </p:spPr>
-            <p:style>
-              <a:lnRef idx="2">
-                <a:schemeClr val="accent1">
-                  <a:shade val="50000"/>
+              <a:latin typeface="IBM Plex Sans" panose="020B0503050203000203" pitchFamily="34" charset="0"/>
+            </a:endParaRPr>
+          </a:p>
+          <a:p>
+            <a:r>
+              <a:rPr lang="en-US" sz="1600" dirty="0">
+                <a:solidFill>
+                  <a:schemeClr val="tx1">
+                    <a:lumMod val="75000"/>
+                    <a:lumOff val="25000"/>
+                  </a:schemeClr>
+                </a:solidFill>
+                <a:latin typeface="IBM Plex Sans" panose="020B0503050203000203" pitchFamily="34" charset="0"/>
+              </a:rPr>
+              <a:t>The color scheme uses simple </a:t>
+            </a:r>
+            <a:r>
+              <a:rPr lang="en-US" sz="1600" b="1" dirty="0">
+                <a:solidFill>
+                  <a:schemeClr val="tx1">
+                    <a:lumMod val="75000"/>
+                    <a:lumOff val="25000"/>
+                  </a:schemeClr>
+                </a:solidFill>
+                <a:latin typeface="IBM Plex Sans" panose="020B0503050203000203" pitchFamily="34" charset="0"/>
+              </a:rPr>
+              <a:t>black</a:t>
+            </a:r>
+            <a:r>
+              <a:rPr lang="en-US" sz="1600" dirty="0">
+                <a:solidFill>
+                  <a:schemeClr val="tx1">
+                    <a:lumMod val="75000"/>
+                    <a:lumOff val="25000"/>
+                  </a:schemeClr>
+                </a:solidFill>
+                <a:latin typeface="IBM Plex Sans" panose="020B0503050203000203" pitchFamily="34" charset="0"/>
+              </a:rPr>
+              <a:t>, </a:t>
+            </a:r>
+            <a:r>
+              <a:rPr lang="en-US" sz="1600" b="1" dirty="0">
+                <a:solidFill>
+                  <a:schemeClr val="tx1">
+                    <a:lumMod val="75000"/>
+                    <a:lumOff val="25000"/>
+                  </a:schemeClr>
+                </a:solidFill>
+                <a:latin typeface="IBM Plex Sans" panose="020B0503050203000203" pitchFamily="34" charset="0"/>
+              </a:rPr>
+              <a:t>white</a:t>
+            </a:r>
+            <a:r>
+              <a:rPr lang="en-US" sz="1600" dirty="0">
+                <a:solidFill>
+                  <a:schemeClr val="tx1">
+                    <a:lumMod val="75000"/>
+                    <a:lumOff val="25000"/>
+                  </a:schemeClr>
+                </a:solidFill>
+                <a:latin typeface="IBM Plex Sans" panose="020B0503050203000203" pitchFamily="34" charset="0"/>
+              </a:rPr>
+              <a:t>, or </a:t>
+            </a:r>
+            <a:r>
+              <a:rPr lang="en-US" sz="1600" b="1" dirty="0">
+                <a:solidFill>
+                  <a:schemeClr val="tx1">
+                    <a:lumMod val="75000"/>
+                    <a:lumOff val="25000"/>
+                  </a:schemeClr>
+                </a:solidFill>
+                <a:latin typeface="IBM Plex Sans" panose="020B0503050203000203" pitchFamily="34" charset="0"/>
+              </a:rPr>
+              <a:t>Swiss Red</a:t>
+            </a:r>
+            <a:r>
+              <a:rPr lang="en-US" sz="1600" dirty="0">
+                <a:solidFill>
+                  <a:schemeClr val="tx1">
+                    <a:lumMod val="75000"/>
+                    <a:lumOff val="25000"/>
+                  </a:schemeClr>
+                </a:solidFill>
+                <a:latin typeface="IBM Plex Sans" panose="020B0503050203000203" pitchFamily="34" charset="0"/>
+              </a:rPr>
+              <a:t>. The simple logo initials should be easy to recognize. </a:t>
+            </a:r>
+          </a:p>
+          <a:p>
+            <a:endParaRPr lang="en-US" sz="1600" dirty="0">
+              <a:solidFill>
+                <a:schemeClr val="tx1">
+                  <a:lumMod val="75000"/>
+                  <a:lumOff val="25000"/>
                 </a:schemeClr>
-              </a:lnRef>
-              <a:fillRef idx="1">
-                <a:schemeClr val="accent1"/>
-              </a:fillRef>
-              <a:effectRef idx="0">
-                <a:schemeClr val="accent1"/>
-              </a:effectRef>
-              <a:fontRef idx="minor">
-                <a:schemeClr val="lt1"/>
-              </a:fontRef>
-            </p:style>
-            <p:txBody>
-              <a:bodyPr rtlCol="0" anchor="ctr"/>
-              <a:lstStyle/>
-              <a:p>
-                <a:pPr algn="ctr"/>
-                <a:endParaRPr lang="en-GB" sz="1200">
-                  <a:solidFill>
-                    <a:srgbClr val="C00000"/>
-                  </a:solidFill>
-                </a:endParaRPr>
-              </a:p>
-            </p:txBody>
-          </p:sp>
-          <p:sp>
-            <p:nvSpPr>
-              <p:cNvPr id="17" name="Rectangle 16">
-                <a:extLst>
-                  <a:ext uri="{FF2B5EF4-FFF2-40B4-BE49-F238E27FC236}">
-                    <a16:creationId xmlns:a16="http://schemas.microsoft.com/office/drawing/2014/main" id="{C160D0FD-0878-4245-8642-19388FB1D914}"/>
-                  </a:ext>
-                </a:extLst>
-              </p:cNvPr>
-              <p:cNvSpPr/>
-              <p:nvPr/>
-            </p:nvSpPr>
-            <p:spPr>
-              <a:xfrm rot="5400000">
-                <a:off x="1072153" y="11870618"/>
-                <a:ext cx="202351" cy="720000"/>
-              </a:xfrm>
-              <a:prstGeom prst="rect">
-                <a:avLst/>
-              </a:prstGeom>
-              <a:solidFill>
-                <a:srgbClr val="C00000"/>
               </a:solidFill>
-              <a:ln>
-                <a:noFill/>
-              </a:ln>
-            </p:spPr>
-            <p:style>
-              <a:lnRef idx="2">
-                <a:schemeClr val="accent1">
-                  <a:shade val="50000"/>
-                </a:schemeClr>
-              </a:lnRef>
-              <a:fillRef idx="1">
-                <a:schemeClr val="accent1"/>
-              </a:fillRef>
-              <a:effectRef idx="0">
-                <a:schemeClr val="accent1"/>
-              </a:effectRef>
-              <a:fontRef idx="minor">
-                <a:schemeClr val="lt1"/>
-              </a:fontRef>
-            </p:style>
-            <p:txBody>
-              <a:bodyPr rtlCol="0" anchor="ctr"/>
-              <a:lstStyle/>
-              <a:p>
-                <a:pPr algn="ctr"/>
-                <a:endParaRPr lang="en-GB" sz="1200">
-                  <a:solidFill>
-                    <a:srgbClr val="C00000"/>
-                  </a:solidFill>
-                </a:endParaRPr>
-              </a:p>
-            </p:txBody>
-          </p:sp>
-        </p:grpSp>
-        <p:sp>
-          <p:nvSpPr>
-            <p:cNvPr id="15" name="Rounded Rectangle 14">
-              <a:extLst>
-                <a:ext uri="{FF2B5EF4-FFF2-40B4-BE49-F238E27FC236}">
-                  <a16:creationId xmlns:a16="http://schemas.microsoft.com/office/drawing/2014/main" id="{2608AA5A-E2E1-1D4B-B097-66E116C11F57}"/>
-                </a:ext>
-              </a:extLst>
-            </p:cNvPr>
-            <p:cNvSpPr/>
-            <p:nvPr/>
-          </p:nvSpPr>
-          <p:spPr>
-            <a:xfrm>
-              <a:off x="2057454" y="14908559"/>
-              <a:ext cx="2880000" cy="1443600"/>
-            </a:xfrm>
-            <a:prstGeom prst="roundRect">
-              <a:avLst>
-                <a:gd name="adj" fmla="val 23677"/>
-              </a:avLst>
-            </a:prstGeom>
-            <a:solidFill>
-              <a:schemeClr val="bg1"/>
-            </a:solidFill>
-            <a:ln w="57150">
-              <a:solidFill>
-                <a:schemeClr val="bg1"/>
-              </a:solidFill>
-            </a:ln>
-          </p:spPr>
-          <p:style>
-            <a:lnRef idx="2">
-              <a:schemeClr val="accent1">
-                <a:shade val="50000"/>
-              </a:schemeClr>
-            </a:lnRef>
-            <a:fillRef idx="1">
-              <a:schemeClr val="accent1"/>
-            </a:fillRef>
-            <a:effectRef idx="0">
-              <a:schemeClr val="accent1"/>
-            </a:effectRef>
-            <a:fontRef idx="minor">
-              <a:schemeClr val="lt1"/>
-            </a:fontRef>
-          </p:style>
-          <p:txBody>
-            <a:bodyPr rtlCol="0" anchor="ctr"/>
-            <a:lstStyle/>
-            <a:p>
-              <a:pPr algn="ctr"/>
-              <a:r>
-                <a:rPr lang="en-GB" sz="6600" b="1" dirty="0">
-                  <a:solidFill>
-                    <a:srgbClr val="C00000"/>
-                  </a:solidFill>
-                  <a:latin typeface="Switzer" pitchFamily="2" charset="77"/>
-                </a:rPr>
-                <a:t>SPH</a:t>
-              </a:r>
-            </a:p>
-          </p:txBody>
-        </p:sp>
-      </p:grpSp>
+              <a:latin typeface="IBM Plex Sans" panose="020B0503050203000203" pitchFamily="34" charset="0"/>
+            </a:endParaRPr>
+          </a:p>
+        </p:txBody>
+      </p:sp>
     </p:spTree>
     <p:extLst>
       <p:ext uri="{BB962C8B-B14F-4D97-AF65-F5344CB8AC3E}">
